--- a/docs/J2KLib_Graphics.pptx
+++ b/docs/J2KLib_Graphics.pptx
@@ -5,23 +5,24 @@
     <p:sldMasterId id="2147483648" r:id="rId1"/>
   </p:sldMasterIdLst>
   <p:notesMasterIdLst>
-    <p:notesMasterId r:id="rId13"/>
+    <p:notesMasterId r:id="rId14"/>
   </p:notesMasterIdLst>
   <p:handoutMasterIdLst>
-    <p:handoutMasterId r:id="rId14"/>
+    <p:handoutMasterId r:id="rId15"/>
   </p:handoutMasterIdLst>
   <p:sldIdLst>
     <p:sldId id="264" r:id="rId2"/>
     <p:sldId id="256" r:id="rId3"/>
-    <p:sldId id="266" r:id="rId4"/>
-    <p:sldId id="257" r:id="rId5"/>
-    <p:sldId id="259" r:id="rId6"/>
-    <p:sldId id="258" r:id="rId7"/>
-    <p:sldId id="261" r:id="rId8"/>
-    <p:sldId id="265" r:id="rId9"/>
-    <p:sldId id="260" r:id="rId10"/>
-    <p:sldId id="262" r:id="rId11"/>
-    <p:sldId id="263" r:id="rId12"/>
+    <p:sldId id="267" r:id="rId4"/>
+    <p:sldId id="266" r:id="rId5"/>
+    <p:sldId id="257" r:id="rId6"/>
+    <p:sldId id="259" r:id="rId7"/>
+    <p:sldId id="258" r:id="rId8"/>
+    <p:sldId id="261" r:id="rId9"/>
+    <p:sldId id="265" r:id="rId10"/>
+    <p:sldId id="260" r:id="rId11"/>
+    <p:sldId id="262" r:id="rId12"/>
+    <p:sldId id="263" r:id="rId13"/>
   </p:sldIdLst>
   <p:sldSz cx="12192000" cy="6858000"/>
   <p:notesSz cx="6858000" cy="9144000"/>
@@ -225,7 +226,7 @@
           <a:p>
             <a:fld id="{0CD5744C-4472-4ACF-AC03-C0CE7DADB997}" type="datetimeFigureOut">
               <a:rPr lang="en-US" smtClean="0"/>
-              <a:t>7/27/2021</a:t>
+              <a:t>7/28/21</a:t>
             </a:fld>
             <a:endParaRPr lang="en-US"/>
           </a:p>
@@ -409,7 +410,7 @@
           <a:p>
             <a:fld id="{41041FD6-FEC2-48B2-82B9-506DFACAB1FE}" type="datetimeFigureOut">
               <a:rPr lang="en-US" smtClean="0"/>
-              <a:t>7/27/2021</a:t>
+              <a:t>7/28/21</a:t>
             </a:fld>
             <a:endParaRPr lang="en-US"/>
           </a:p>
@@ -827,7 +828,7 @@
           <a:p>
             <a:fld id="{5C92CDA6-4DD9-44E7-9B62-260D57E1068E}" type="datetimeFigureOut">
               <a:rPr lang="en-US" smtClean="0"/>
-              <a:t>7/27/2021</a:t>
+              <a:t>7/28/21</a:t>
             </a:fld>
             <a:endParaRPr lang="en-US"/>
           </a:p>
@@ -1025,7 +1026,7 @@
           <a:p>
             <a:fld id="{5C92CDA6-4DD9-44E7-9B62-260D57E1068E}" type="datetimeFigureOut">
               <a:rPr lang="en-US" smtClean="0"/>
-              <a:t>7/27/2021</a:t>
+              <a:t>7/28/21</a:t>
             </a:fld>
             <a:endParaRPr lang="en-US"/>
           </a:p>
@@ -1233,7 +1234,7 @@
           <a:p>
             <a:fld id="{5C92CDA6-4DD9-44E7-9B62-260D57E1068E}" type="datetimeFigureOut">
               <a:rPr lang="en-US" smtClean="0"/>
-              <a:t>7/27/2021</a:t>
+              <a:t>7/28/21</a:t>
             </a:fld>
             <a:endParaRPr lang="en-US"/>
           </a:p>
@@ -1465,7 +1466,7 @@
           <a:p>
             <a:fld id="{5C92CDA6-4DD9-44E7-9B62-260D57E1068E}" type="datetimeFigureOut">
               <a:rPr lang="en-US" smtClean="0"/>
-              <a:t>7/27/2021</a:t>
+              <a:t>7/28/21</a:t>
             </a:fld>
             <a:endParaRPr lang="en-US"/>
           </a:p>
@@ -1776,7 +1777,7 @@
           <a:p>
             <a:fld id="{5C92CDA6-4DD9-44E7-9B62-260D57E1068E}" type="datetimeFigureOut">
               <a:rPr lang="en-US" smtClean="0"/>
-              <a:t>7/27/2021</a:t>
+              <a:t>7/28/21</a:t>
             </a:fld>
             <a:endParaRPr lang="en-US"/>
           </a:p>
@@ -2013,7 +2014,7 @@
           <a:p>
             <a:fld id="{5C92CDA6-4DD9-44E7-9B62-260D57E1068E}" type="datetimeFigureOut">
               <a:rPr lang="en-US" smtClean="0"/>
-              <a:t>7/27/2021</a:t>
+              <a:t>7/28/21</a:t>
             </a:fld>
             <a:endParaRPr lang="en-US"/>
           </a:p>
@@ -2515,7 +2516,7 @@
           <a:p>
             <a:fld id="{5C92CDA6-4DD9-44E7-9B62-260D57E1068E}" type="datetimeFigureOut">
               <a:rPr lang="en-US" smtClean="0"/>
-              <a:t>7/27/2021</a:t>
+              <a:t>7/28/21</a:t>
             </a:fld>
             <a:endParaRPr lang="en-US"/>
           </a:p>
@@ -2667,7 +2668,7 @@
           <a:p>
             <a:fld id="{5C92CDA6-4DD9-44E7-9B62-260D57E1068E}" type="datetimeFigureOut">
               <a:rPr lang="en-US" smtClean="0"/>
-              <a:t>7/27/2021</a:t>
+              <a:t>7/28/21</a:t>
             </a:fld>
             <a:endParaRPr lang="en-US"/>
           </a:p>
@@ -2816,7 +2817,7 @@
           <a:p>
             <a:fld id="{5C92CDA6-4DD9-44E7-9B62-260D57E1068E}" type="datetimeFigureOut">
               <a:rPr lang="en-US" smtClean="0"/>
-              <a:t>7/27/2021</a:t>
+              <a:t>7/28/21</a:t>
             </a:fld>
             <a:endParaRPr lang="en-US"/>
           </a:p>
@@ -3127,7 +3128,7 @@
           <a:p>
             <a:fld id="{5C92CDA6-4DD9-44E7-9B62-260D57E1068E}" type="datetimeFigureOut">
               <a:rPr lang="en-US" smtClean="0"/>
-              <a:t>7/27/2021</a:t>
+              <a:t>7/28/21</a:t>
             </a:fld>
             <a:endParaRPr lang="en-US"/>
           </a:p>
@@ -3415,7 +3416,7 @@
           <a:p>
             <a:fld id="{5C92CDA6-4DD9-44E7-9B62-260D57E1068E}" type="datetimeFigureOut">
               <a:rPr lang="en-US" smtClean="0"/>
-              <a:t>7/27/2021</a:t>
+              <a:t>7/28/21</a:t>
             </a:fld>
             <a:endParaRPr lang="en-US"/>
           </a:p>
@@ -3710,7 +3711,7 @@
           <a:p>
             <a:fld id="{5C92CDA6-4DD9-44E7-9B62-260D57E1068E}" type="datetimeFigureOut">
               <a:rPr lang="en-US" smtClean="0"/>
-              <a:t>7/27/2021</a:t>
+              <a:t>7/28/21</a:t>
             </a:fld>
             <a:endParaRPr lang="en-US"/>
           </a:p>
@@ -4389,6 +4390,214 @@
       </p:grpSpPr>
       <p:pic>
         <p:nvPicPr>
+          <p:cNvPr id="6" name="Picture 5">
+            <a:extLst>
+              <a:ext uri="{FF2B5EF4-FFF2-40B4-BE49-F238E27FC236}">
+                <a16:creationId xmlns:a16="http://schemas.microsoft.com/office/drawing/2014/main" id="{EFA66E32-E82D-421B-AC38-C8061FEA9C96}"/>
+              </a:ext>
+            </a:extLst>
+          </p:cNvPr>
+          <p:cNvPicPr>
+            <a:picLocks noChangeAspect="1"/>
+          </p:cNvPicPr>
+          <p:nvPr/>
+        </p:nvPicPr>
+        <p:blipFill>
+          <a:blip r:embed="rId2"/>
+          <a:stretch>
+            <a:fillRect/>
+          </a:stretch>
+        </p:blipFill>
+        <p:spPr>
+          <a:xfrm>
+            <a:off x="163365" y="2029118"/>
+            <a:ext cx="5665906" cy="4288559"/>
+          </a:xfrm>
+          <a:prstGeom prst="rect">
+            <a:avLst/>
+          </a:prstGeom>
+        </p:spPr>
+      </p:pic>
+      <p:pic>
+        <p:nvPicPr>
+          <p:cNvPr id="7" name="Picture 6">
+            <a:extLst>
+              <a:ext uri="{FF2B5EF4-FFF2-40B4-BE49-F238E27FC236}">
+                <a16:creationId xmlns:a16="http://schemas.microsoft.com/office/drawing/2014/main" id="{F9744A01-3580-4055-9015-D0E4378B4E51}"/>
+              </a:ext>
+            </a:extLst>
+          </p:cNvPr>
+          <p:cNvPicPr>
+            <a:picLocks noChangeAspect="1"/>
+          </p:cNvPicPr>
+          <p:nvPr/>
+        </p:nvPicPr>
+        <p:blipFill>
+          <a:blip r:embed="rId3"/>
+          <a:stretch>
+            <a:fillRect/>
+          </a:stretch>
+        </p:blipFill>
+        <p:spPr>
+          <a:xfrm>
+            <a:off x="6179124" y="2029118"/>
+            <a:ext cx="5763237" cy="4362450"/>
+          </a:xfrm>
+          <a:prstGeom prst="rect">
+            <a:avLst/>
+          </a:prstGeom>
+        </p:spPr>
+      </p:pic>
+      <p:sp>
+        <p:nvSpPr>
+          <p:cNvPr id="9" name="Title 8">
+            <a:extLst>
+              <a:ext uri="{FF2B5EF4-FFF2-40B4-BE49-F238E27FC236}">
+                <a16:creationId xmlns:a16="http://schemas.microsoft.com/office/drawing/2014/main" id="{8E2D44F5-1521-4C03-9B2B-A81F83D6DBDA}"/>
+              </a:ext>
+            </a:extLst>
+          </p:cNvPr>
+          <p:cNvSpPr>
+            <a:spLocks noGrp="1"/>
+          </p:cNvSpPr>
+          <p:nvPr>
+            <p:ph type="title"/>
+          </p:nvPr>
+        </p:nvSpPr>
+        <p:spPr/>
+        <p:txBody>
+          <a:bodyPr/>
+          <a:lstStyle/>
+          <a:p>
+            <a:r>
+              <a:rPr lang="en-US" dirty="0"/>
+              <a:t>Tiling of Large (8720x11520) Image</a:t>
+            </a:r>
+          </a:p>
+        </p:txBody>
+      </p:sp>
+      <p:sp>
+        <p:nvSpPr>
+          <p:cNvPr id="11" name="Content Placeholder 10">
+            <a:extLst>
+              <a:ext uri="{FF2B5EF4-FFF2-40B4-BE49-F238E27FC236}">
+                <a16:creationId xmlns:a16="http://schemas.microsoft.com/office/drawing/2014/main" id="{3F7B27AA-59EA-46A8-ACE9-022A0F556B40}"/>
+              </a:ext>
+            </a:extLst>
+          </p:cNvPr>
+          <p:cNvSpPr>
+            <a:spLocks noGrp="1"/>
+          </p:cNvSpPr>
+          <p:nvPr>
+            <p:ph idx="1"/>
+          </p:nvPr>
+        </p:nvSpPr>
+        <p:spPr>
+          <a:xfrm>
+            <a:off x="651850" y="911226"/>
+            <a:ext cx="11036174" cy="830998"/>
+          </a:xfrm>
+        </p:spPr>
+        <p:txBody>
+          <a:bodyPr>
+            <a:normAutofit/>
+          </a:bodyPr>
+          <a:lstStyle/>
+          <a:p>
+            <a:pPr>
+              <a:spcBef>
+                <a:spcPts val="0"/>
+              </a:spcBef>
+            </a:pPr>
+            <a:r>
+              <a:rPr lang="en-US" sz="1600" dirty="0"/>
+              <a:t>All tiles except those in last row and last column must be same shape (width and height)</a:t>
+            </a:r>
+          </a:p>
+          <a:p>
+            <a:pPr>
+              <a:spcBef>
+                <a:spcPts val="0"/>
+              </a:spcBef>
+            </a:pPr>
+            <a:r>
+              <a:rPr lang="en-US" sz="1600" dirty="0"/>
+              <a:t>All tiles in last row must have same height and must have same width as all other tiles in their column</a:t>
+            </a:r>
+          </a:p>
+          <a:p>
+            <a:pPr>
+              <a:spcBef>
+                <a:spcPts val="0"/>
+              </a:spcBef>
+            </a:pPr>
+            <a:r>
+              <a:rPr lang="en-US" sz="1600" dirty="0"/>
+              <a:t>All tiles in last column must have same width and must have same height as all other tiles in their row</a:t>
+            </a:r>
+          </a:p>
+        </p:txBody>
+      </p:sp>
+      <p:sp>
+        <p:nvSpPr>
+          <p:cNvPr id="10" name="Footer Placeholder 9">
+            <a:extLst>
+              <a:ext uri="{FF2B5EF4-FFF2-40B4-BE49-F238E27FC236}">
+                <a16:creationId xmlns:a16="http://schemas.microsoft.com/office/drawing/2014/main" id="{70F8B5F9-60B6-4621-B42D-0B46309D10E4}"/>
+              </a:ext>
+            </a:extLst>
+          </p:cNvPr>
+          <p:cNvSpPr>
+            <a:spLocks noGrp="1"/>
+          </p:cNvSpPr>
+          <p:nvPr>
+            <p:ph type="ftr" sz="quarter" idx="11"/>
+          </p:nvPr>
+        </p:nvSpPr>
+        <p:spPr/>
+        <p:txBody>
+          <a:bodyPr/>
+          <a:lstStyle/>
+          <a:p>
+            <a:endParaRPr lang="en-US"/>
+          </a:p>
+          <a:p>
+            <a:endParaRPr lang="en-US"/>
+          </a:p>
+        </p:txBody>
+      </p:sp>
+    </p:spTree>
+    <p:extLst>
+      <p:ext uri="{BB962C8B-B14F-4D97-AF65-F5344CB8AC3E}">
+        <p14:creationId xmlns:p14="http://schemas.microsoft.com/office/powerpoint/2010/main" val="4227013624"/>
+      </p:ext>
+    </p:extLst>
+  </p:cSld>
+  <p:clrMapOvr>
+    <a:masterClrMapping/>
+  </p:clrMapOvr>
+</p:sld>
+</file>
+
+<file path=ppt/slides/slide11.xml><?xml version="1.0" encoding="utf-8"?>
+<p:sld xmlns:a="http://schemas.openxmlformats.org/drawingml/2006/main" xmlns:r="http://schemas.openxmlformats.org/officeDocument/2006/relationships" xmlns:p="http://schemas.openxmlformats.org/presentationml/2006/main">
+  <p:cSld>
+    <p:spTree>
+      <p:nvGrpSpPr>
+        <p:cNvPr id="1" name=""/>
+        <p:cNvGrpSpPr/>
+        <p:nvPr/>
+      </p:nvGrpSpPr>
+      <p:grpSpPr>
+        <a:xfrm>
+          <a:off x="0" y="0"/>
+          <a:ext cx="0" cy="0"/>
+          <a:chOff x="0" y="0"/>
+          <a:chExt cx="0" cy="0"/>
+        </a:xfrm>
+      </p:grpSpPr>
+      <p:pic>
+        <p:nvPicPr>
           <p:cNvPr id="4" name="Picture 3">
             <a:extLst>
               <a:ext uri="{FF2B5EF4-FFF2-40B4-BE49-F238E27FC236}">
@@ -4770,7 +4979,7 @@
 </p:sld>
 </file>
 
-<file path=ppt/slides/slide11.xml><?xml version="1.0" encoding="utf-8"?>
+<file path=ppt/slides/slide12.xml><?xml version="1.0" encoding="utf-8"?>
 <p:sld xmlns:a="http://schemas.openxmlformats.org/drawingml/2006/main" xmlns:r="http://schemas.openxmlformats.org/officeDocument/2006/relationships" xmlns:p="http://schemas.openxmlformats.org/presentationml/2006/main">
   <p:cSld>
     <p:spTree>
@@ -7381,6 +7590,2993 @@
           <a:chExt cx="0" cy="0"/>
         </a:xfrm>
       </p:grpSpPr>
+      <p:sp>
+        <p:nvSpPr>
+          <p:cNvPr id="2" name="Title 1">
+            <a:extLst>
+              <a:ext uri="{FF2B5EF4-FFF2-40B4-BE49-F238E27FC236}">
+                <a16:creationId xmlns:a16="http://schemas.microsoft.com/office/drawing/2014/main" id="{F5DB4E0A-E681-6141-BD02-F7BC0498FD7A}"/>
+              </a:ext>
+            </a:extLst>
+          </p:cNvPr>
+          <p:cNvSpPr>
+            <a:spLocks noGrp="1"/>
+          </p:cNvSpPr>
+          <p:nvPr>
+            <p:ph type="title"/>
+          </p:nvPr>
+        </p:nvSpPr>
+        <p:spPr/>
+        <p:txBody>
+          <a:bodyPr/>
+          <a:lstStyle/>
+          <a:p>
+            <a:r>
+              <a:rPr lang="en-US" dirty="0"/>
+              <a:t>Memory Management</a:t>
+            </a:r>
+          </a:p>
+        </p:txBody>
+      </p:sp>
+      <p:grpSp>
+        <p:nvGrpSpPr>
+          <p:cNvPr id="75" name="Group 74">
+            <a:extLst>
+              <a:ext uri="{FF2B5EF4-FFF2-40B4-BE49-F238E27FC236}">
+                <a16:creationId xmlns:a16="http://schemas.microsoft.com/office/drawing/2014/main" id="{E0E2ABC5-A3EA-9F4E-8BB7-332D18AC463B}"/>
+              </a:ext>
+            </a:extLst>
+          </p:cNvPr>
+          <p:cNvGrpSpPr/>
+          <p:nvPr/>
+        </p:nvGrpSpPr>
+        <p:grpSpPr>
+          <a:xfrm>
+            <a:off x="2297568" y="3920329"/>
+            <a:ext cx="1647931" cy="1708219"/>
+            <a:chOff x="838199" y="1527350"/>
+            <a:chExt cx="1647931" cy="1708219"/>
+          </a:xfrm>
+        </p:grpSpPr>
+        <p:sp>
+          <p:nvSpPr>
+            <p:cNvPr id="3" name="Rounded Rectangle 2">
+              <a:extLst>
+                <a:ext uri="{FF2B5EF4-FFF2-40B4-BE49-F238E27FC236}">
+                  <a16:creationId xmlns:a16="http://schemas.microsoft.com/office/drawing/2014/main" id="{1DC47674-B7E3-D94E-A694-72EA3ACD5B63}"/>
+                </a:ext>
+              </a:extLst>
+            </p:cNvPr>
+            <p:cNvSpPr/>
+            <p:nvPr/>
+          </p:nvSpPr>
+          <p:spPr>
+            <a:xfrm>
+              <a:off x="838200" y="1527351"/>
+              <a:ext cx="1647930" cy="1708218"/>
+            </a:xfrm>
+            <a:prstGeom prst="roundRect">
+              <a:avLst/>
+            </a:prstGeom>
+          </p:spPr>
+          <p:style>
+            <a:lnRef idx="1">
+              <a:schemeClr val="accent5"/>
+            </a:lnRef>
+            <a:fillRef idx="2">
+              <a:schemeClr val="accent5"/>
+            </a:fillRef>
+            <a:effectRef idx="1">
+              <a:schemeClr val="accent5"/>
+            </a:effectRef>
+            <a:fontRef idx="minor">
+              <a:schemeClr val="dk1"/>
+            </a:fontRef>
+          </p:style>
+          <p:txBody>
+            <a:bodyPr rtlCol="0" anchor="ctr"/>
+            <a:lstStyle/>
+            <a:p>
+              <a:pPr algn="ctr"/>
+              <a:endParaRPr lang="en-US" dirty="0"/>
+            </a:p>
+          </p:txBody>
+        </p:sp>
+        <p:sp>
+          <p:nvSpPr>
+            <p:cNvPr id="5" name="TextBox 4">
+              <a:extLst>
+                <a:ext uri="{FF2B5EF4-FFF2-40B4-BE49-F238E27FC236}">
+                  <a16:creationId xmlns:a16="http://schemas.microsoft.com/office/drawing/2014/main" id="{DCBEB0C8-9844-C644-98E8-BFF46590D2CF}"/>
+                </a:ext>
+              </a:extLst>
+            </p:cNvPr>
+            <p:cNvSpPr txBox="1"/>
+            <p:nvPr/>
+          </p:nvSpPr>
+          <p:spPr>
+            <a:xfrm>
+              <a:off x="1212501" y="1527350"/>
+              <a:ext cx="899327" cy="369332"/>
+            </a:xfrm>
+            <a:prstGeom prst="rect">
+              <a:avLst/>
+            </a:prstGeom>
+            <a:noFill/>
+          </p:spPr>
+          <p:txBody>
+            <a:bodyPr wrap="square">
+              <a:spAutoFit/>
+            </a:bodyPr>
+            <a:lstStyle/>
+            <a:p>
+              <a:pPr algn="ctr"/>
+              <a:r>
+                <a:rPr lang="en-US" b="1" dirty="0" err="1"/>
+                <a:t>DataId</a:t>
+              </a:r>
+              <a:endParaRPr lang="en-US" b="1" dirty="0"/>
+            </a:p>
+          </p:txBody>
+        </p:sp>
+        <p:cxnSp>
+          <p:nvCxnSpPr>
+            <p:cNvPr id="7" name="Straight Connector 6">
+              <a:extLst>
+                <a:ext uri="{FF2B5EF4-FFF2-40B4-BE49-F238E27FC236}">
+                  <a16:creationId xmlns:a16="http://schemas.microsoft.com/office/drawing/2014/main" id="{439BDA06-1E65-AF43-9EC8-1B8B94D7CBB0}"/>
+                </a:ext>
+              </a:extLst>
+            </p:cNvPr>
+            <p:cNvCxnSpPr>
+              <a:cxnSpLocks/>
+            </p:cNvCxnSpPr>
+            <p:nvPr/>
+          </p:nvCxnSpPr>
+          <p:spPr>
+            <a:xfrm>
+              <a:off x="838199" y="1975189"/>
+              <a:ext cx="1647930" cy="0"/>
+            </a:xfrm>
+            <a:prstGeom prst="line">
+              <a:avLst/>
+            </a:prstGeom>
+          </p:spPr>
+          <p:style>
+            <a:lnRef idx="1">
+              <a:schemeClr val="dk1"/>
+            </a:lnRef>
+            <a:fillRef idx="0">
+              <a:schemeClr val="dk1"/>
+            </a:fillRef>
+            <a:effectRef idx="0">
+              <a:schemeClr val="dk1"/>
+            </a:effectRef>
+            <a:fontRef idx="minor">
+              <a:schemeClr val="tx1"/>
+            </a:fontRef>
+          </p:style>
+        </p:cxnSp>
+        <p:sp>
+          <p:nvSpPr>
+            <p:cNvPr id="8" name="TextBox 7">
+              <a:extLst>
+                <a:ext uri="{FF2B5EF4-FFF2-40B4-BE49-F238E27FC236}">
+                  <a16:creationId xmlns:a16="http://schemas.microsoft.com/office/drawing/2014/main" id="{0CC1EDC4-1947-144A-B3CF-2B1E9F690107}"/>
+                </a:ext>
+              </a:extLst>
+            </p:cNvPr>
+            <p:cNvSpPr txBox="1"/>
+            <p:nvPr/>
+          </p:nvSpPr>
+          <p:spPr>
+            <a:xfrm>
+              <a:off x="940776" y="2053696"/>
+              <a:ext cx="1442776" cy="584775"/>
+            </a:xfrm>
+            <a:prstGeom prst="rect">
+              <a:avLst/>
+            </a:prstGeom>
+            <a:noFill/>
+          </p:spPr>
+          <p:txBody>
+            <a:bodyPr wrap="square">
+              <a:spAutoFit/>
+            </a:bodyPr>
+            <a:lstStyle/>
+            <a:p>
+              <a:pPr algn="ctr"/>
+              <a:r>
+                <a:rPr lang="en-US" sz="1600" i="1" dirty="0" err="1"/>
+                <a:t>self.data_id</a:t>
+              </a:r>
+              <a:endParaRPr lang="en-US" sz="1600" i="1" dirty="0"/>
+            </a:p>
+            <a:p>
+              <a:pPr algn="ctr"/>
+              <a:r>
+                <a:rPr lang="en-US" sz="1600" i="1" dirty="0" err="1"/>
+                <a:t>self.data_type</a:t>
+              </a:r>
+              <a:endParaRPr lang="en-US" sz="1600" i="1" dirty="0"/>
+            </a:p>
+          </p:txBody>
+        </p:sp>
+        <p:cxnSp>
+          <p:nvCxnSpPr>
+            <p:cNvPr id="9" name="Straight Connector 8">
+              <a:extLst>
+                <a:ext uri="{FF2B5EF4-FFF2-40B4-BE49-F238E27FC236}">
+                  <a16:creationId xmlns:a16="http://schemas.microsoft.com/office/drawing/2014/main" id="{1E1B72BA-E4D3-9441-8465-69ED2B75B075}"/>
+                </a:ext>
+              </a:extLst>
+            </p:cNvPr>
+            <p:cNvCxnSpPr>
+              <a:cxnSpLocks/>
+            </p:cNvCxnSpPr>
+            <p:nvPr/>
+          </p:nvCxnSpPr>
+          <p:spPr>
+            <a:xfrm>
+              <a:off x="838199" y="2716978"/>
+              <a:ext cx="1647930" cy="0"/>
+            </a:xfrm>
+            <a:prstGeom prst="line">
+              <a:avLst/>
+            </a:prstGeom>
+          </p:spPr>
+          <p:style>
+            <a:lnRef idx="1">
+              <a:schemeClr val="dk1"/>
+            </a:lnRef>
+            <a:fillRef idx="0">
+              <a:schemeClr val="dk1"/>
+            </a:fillRef>
+            <a:effectRef idx="0">
+              <a:schemeClr val="dk1"/>
+            </a:effectRef>
+            <a:fontRef idx="minor">
+              <a:schemeClr val="tx1"/>
+            </a:fontRef>
+          </p:style>
+        </p:cxnSp>
+        <p:sp>
+          <p:nvSpPr>
+            <p:cNvPr id="10" name="TextBox 9">
+              <a:extLst>
+                <a:ext uri="{FF2B5EF4-FFF2-40B4-BE49-F238E27FC236}">
+                  <a16:creationId xmlns:a16="http://schemas.microsoft.com/office/drawing/2014/main" id="{B4827A6F-DDD5-C047-A543-BBE8E0B9C3C0}"/>
+                </a:ext>
+              </a:extLst>
+            </p:cNvPr>
+            <p:cNvSpPr txBox="1"/>
+            <p:nvPr/>
+          </p:nvSpPr>
+          <p:spPr>
+            <a:xfrm>
+              <a:off x="940776" y="2795486"/>
+              <a:ext cx="1442776" cy="307777"/>
+            </a:xfrm>
+            <a:prstGeom prst="rect">
+              <a:avLst/>
+            </a:prstGeom>
+            <a:noFill/>
+          </p:spPr>
+          <p:txBody>
+            <a:bodyPr wrap="square">
+              <a:spAutoFit/>
+            </a:bodyPr>
+            <a:lstStyle/>
+            <a:p>
+              <a:pPr algn="ctr"/>
+              <a:r>
+                <a:rPr lang="en-US" sz="1400" dirty="0"/>
+                <a:t>__del__():</a:t>
+              </a:r>
+            </a:p>
+          </p:txBody>
+        </p:sp>
+      </p:grpSp>
+      <p:grpSp>
+        <p:nvGrpSpPr>
+          <p:cNvPr id="25" name="Group 24">
+            <a:extLst>
+              <a:ext uri="{FF2B5EF4-FFF2-40B4-BE49-F238E27FC236}">
+                <a16:creationId xmlns:a16="http://schemas.microsoft.com/office/drawing/2014/main" id="{06A5F00F-FD60-B44C-8E37-BF64E5CD5181}"/>
+              </a:ext>
+            </a:extLst>
+          </p:cNvPr>
+          <p:cNvGrpSpPr/>
+          <p:nvPr/>
+        </p:nvGrpSpPr>
+        <p:grpSpPr>
+          <a:xfrm>
+            <a:off x="2046383" y="1503871"/>
+            <a:ext cx="2304137" cy="1753308"/>
+            <a:chOff x="3265714" y="1501692"/>
+            <a:chExt cx="2304137" cy="1753308"/>
+          </a:xfrm>
+        </p:grpSpPr>
+        <p:sp>
+          <p:nvSpPr>
+            <p:cNvPr id="12" name="Rectangle 11">
+              <a:extLst>
+                <a:ext uri="{FF2B5EF4-FFF2-40B4-BE49-F238E27FC236}">
+                  <a16:creationId xmlns:a16="http://schemas.microsoft.com/office/drawing/2014/main" id="{2AFA273B-CFDC-FA46-938C-80C5BBE4A04E}"/>
+                </a:ext>
+              </a:extLst>
+            </p:cNvPr>
+            <p:cNvSpPr/>
+            <p:nvPr/>
+          </p:nvSpPr>
+          <p:spPr>
+            <a:xfrm>
+              <a:off x="3265714" y="1501692"/>
+              <a:ext cx="2304137" cy="1753308"/>
+            </a:xfrm>
+            <a:prstGeom prst="rect">
+              <a:avLst/>
+            </a:prstGeom>
+          </p:spPr>
+          <p:style>
+            <a:lnRef idx="0">
+              <a:schemeClr val="accent1"/>
+            </a:lnRef>
+            <a:fillRef idx="3">
+              <a:schemeClr val="accent1"/>
+            </a:fillRef>
+            <a:effectRef idx="3">
+              <a:schemeClr val="accent1"/>
+            </a:effectRef>
+            <a:fontRef idx="minor">
+              <a:schemeClr val="lt1"/>
+            </a:fontRef>
+          </p:style>
+          <p:txBody>
+            <a:bodyPr rtlCol="0" anchor="ctr"/>
+            <a:lstStyle/>
+            <a:p>
+              <a:pPr algn="ctr"/>
+              <a:endParaRPr lang="en-US" dirty="0">
+                <a:solidFill>
+                  <a:schemeClr val="lt1"/>
+                </a:solidFill>
+              </a:endParaRPr>
+            </a:p>
+          </p:txBody>
+        </p:sp>
+        <p:sp>
+          <p:nvSpPr>
+            <p:cNvPr id="13" name="TextBox 12">
+              <a:extLst>
+                <a:ext uri="{FF2B5EF4-FFF2-40B4-BE49-F238E27FC236}">
+                  <a16:creationId xmlns:a16="http://schemas.microsoft.com/office/drawing/2014/main" id="{3FB98111-87A8-4946-AC6B-3E5FA4294352}"/>
+                </a:ext>
+              </a:extLst>
+            </p:cNvPr>
+            <p:cNvSpPr txBox="1"/>
+            <p:nvPr/>
+          </p:nvSpPr>
+          <p:spPr>
+            <a:xfrm>
+              <a:off x="3265715" y="1537400"/>
+              <a:ext cx="1805302" cy="338554"/>
+            </a:xfrm>
+            <a:prstGeom prst="rect">
+              <a:avLst/>
+            </a:prstGeom>
+            <a:noFill/>
+          </p:spPr>
+          <p:txBody>
+            <a:bodyPr wrap="none" rtlCol="0">
+              <a:spAutoFit/>
+            </a:bodyPr>
+            <a:lstStyle/>
+            <a:p>
+              <a:r>
+                <a:rPr lang="en-US" sz="1600" i="1" dirty="0">
+                  <a:solidFill>
+                    <a:schemeClr val="bg1"/>
+                  </a:solidFill>
+                </a:rPr>
+                <a:t>cpaj2k.j2klib.ctypes</a:t>
+              </a:r>
+            </a:p>
+          </p:txBody>
+        </p:sp>
+        <p:sp>
+          <p:nvSpPr>
+            <p:cNvPr id="15" name="Rounded Rectangle 14">
+              <a:extLst>
+                <a:ext uri="{FF2B5EF4-FFF2-40B4-BE49-F238E27FC236}">
+                  <a16:creationId xmlns:a16="http://schemas.microsoft.com/office/drawing/2014/main" id="{7774804E-254A-2A4D-B054-EC3F55EDC1D2}"/>
+                </a:ext>
+              </a:extLst>
+            </p:cNvPr>
+            <p:cNvSpPr/>
+            <p:nvPr/>
+          </p:nvSpPr>
+          <p:spPr>
+            <a:xfrm>
+              <a:off x="3387038" y="1969748"/>
+              <a:ext cx="2061488" cy="658090"/>
+            </a:xfrm>
+            <a:prstGeom prst="roundRect">
+              <a:avLst/>
+            </a:prstGeom>
+            <a:ln>
+              <a:solidFill>
+                <a:schemeClr val="accent5">
+                  <a:lumMod val="50000"/>
+                </a:schemeClr>
+              </a:solidFill>
+              <a:prstDash val="solid"/>
+            </a:ln>
+          </p:spPr>
+          <p:style>
+            <a:lnRef idx="1">
+              <a:schemeClr val="accent5"/>
+            </a:lnRef>
+            <a:fillRef idx="2">
+              <a:schemeClr val="accent5"/>
+            </a:fillRef>
+            <a:effectRef idx="1">
+              <a:schemeClr val="accent5"/>
+            </a:effectRef>
+            <a:fontRef idx="minor">
+              <a:schemeClr val="dk1"/>
+            </a:fontRef>
+          </p:style>
+          <p:txBody>
+            <a:bodyPr rtlCol="0" anchor="ctr"/>
+            <a:lstStyle/>
+            <a:p>
+              <a:r>
+                <a:rPr lang="en-US" sz="1200" dirty="0">
+                  <a:solidFill>
+                    <a:schemeClr val="dk1"/>
+                  </a:solidFill>
+                  <a:latin typeface="+mj-lt"/>
+                </a:rPr>
+                <a:t>create_ image(…):</a:t>
+              </a:r>
+            </a:p>
+            <a:p>
+              <a:r>
+                <a:rPr lang="en-US" sz="1200" dirty="0">
+                  <a:latin typeface="+mj-lt"/>
+                </a:rPr>
+                <a:t>    id = libj2k.create_image(…)</a:t>
+              </a:r>
+              <a:endParaRPr lang="en-US" sz="1200" dirty="0">
+                <a:solidFill>
+                  <a:schemeClr val="dk1"/>
+                </a:solidFill>
+                <a:latin typeface="+mj-lt"/>
+              </a:endParaRPr>
+            </a:p>
+          </p:txBody>
+        </p:sp>
+        <p:sp>
+          <p:nvSpPr>
+            <p:cNvPr id="77" name="Rounded Rectangle 76">
+              <a:extLst>
+                <a:ext uri="{FF2B5EF4-FFF2-40B4-BE49-F238E27FC236}">
+                  <a16:creationId xmlns:a16="http://schemas.microsoft.com/office/drawing/2014/main" id="{FBC515E8-3558-C04D-A3C0-AD55E0A3AB25}"/>
+                </a:ext>
+              </a:extLst>
+            </p:cNvPr>
+            <p:cNvSpPr/>
+            <p:nvPr/>
+          </p:nvSpPr>
+          <p:spPr>
+            <a:xfrm>
+              <a:off x="3387037" y="2713417"/>
+              <a:ext cx="2061488" cy="401742"/>
+            </a:xfrm>
+            <a:prstGeom prst="roundRect">
+              <a:avLst/>
+            </a:prstGeom>
+            <a:ln>
+              <a:solidFill>
+                <a:schemeClr val="accent5">
+                  <a:lumMod val="50000"/>
+                </a:schemeClr>
+              </a:solidFill>
+              <a:prstDash val="solid"/>
+            </a:ln>
+          </p:spPr>
+          <p:style>
+            <a:lnRef idx="1">
+              <a:schemeClr val="accent5"/>
+            </a:lnRef>
+            <a:fillRef idx="2">
+              <a:schemeClr val="accent5"/>
+            </a:fillRef>
+            <a:effectRef idx="1">
+              <a:schemeClr val="accent5"/>
+            </a:effectRef>
+            <a:fontRef idx="minor">
+              <a:schemeClr val="dk1"/>
+            </a:fontRef>
+          </p:style>
+          <p:txBody>
+            <a:bodyPr rtlCol="0" anchor="ctr"/>
+            <a:lstStyle/>
+            <a:p>
+              <a:r>
+                <a:rPr lang="en-US" sz="1200" dirty="0">
+                  <a:latin typeface="+mj-lt"/>
+                </a:rPr>
+                <a:t>free_ image(id):</a:t>
+              </a:r>
+            </a:p>
+            <a:p>
+              <a:r>
+                <a:rPr lang="en-US" sz="1200" dirty="0">
+                  <a:latin typeface="+mj-lt"/>
+                </a:rPr>
+                <a:t>    libj2k.free_image(id)</a:t>
+              </a:r>
+            </a:p>
+          </p:txBody>
+        </p:sp>
+      </p:grpSp>
+      <p:grpSp>
+        <p:nvGrpSpPr>
+          <p:cNvPr id="37" name="Group 36">
+            <a:extLst>
+              <a:ext uri="{FF2B5EF4-FFF2-40B4-BE49-F238E27FC236}">
+                <a16:creationId xmlns:a16="http://schemas.microsoft.com/office/drawing/2014/main" id="{9548841C-CF6C-3045-8361-549692F5452A}"/>
+              </a:ext>
+            </a:extLst>
+          </p:cNvPr>
+          <p:cNvGrpSpPr/>
+          <p:nvPr/>
+        </p:nvGrpSpPr>
+        <p:grpSpPr>
+          <a:xfrm>
+            <a:off x="8901352" y="3419060"/>
+            <a:ext cx="2110154" cy="2272269"/>
+            <a:chOff x="3265714" y="1498163"/>
+            <a:chExt cx="2110154" cy="2272269"/>
+          </a:xfrm>
+        </p:grpSpPr>
+        <p:sp>
+          <p:nvSpPr>
+            <p:cNvPr id="38" name="Rectangle 37">
+              <a:extLst>
+                <a:ext uri="{FF2B5EF4-FFF2-40B4-BE49-F238E27FC236}">
+                  <a16:creationId xmlns:a16="http://schemas.microsoft.com/office/drawing/2014/main" id="{32D4373B-DC3E-B441-91C6-24B054D3EF07}"/>
+                </a:ext>
+              </a:extLst>
+            </p:cNvPr>
+            <p:cNvSpPr/>
+            <p:nvPr/>
+          </p:nvSpPr>
+          <p:spPr>
+            <a:xfrm>
+              <a:off x="3265714" y="1498163"/>
+              <a:ext cx="2110154" cy="2272269"/>
+            </a:xfrm>
+            <a:prstGeom prst="rect">
+              <a:avLst/>
+            </a:prstGeom>
+          </p:spPr>
+          <p:style>
+            <a:lnRef idx="0">
+              <a:schemeClr val="accent2"/>
+            </a:lnRef>
+            <a:fillRef idx="3">
+              <a:schemeClr val="accent2"/>
+            </a:fillRef>
+            <a:effectRef idx="3">
+              <a:schemeClr val="accent2"/>
+            </a:effectRef>
+            <a:fontRef idx="minor">
+              <a:schemeClr val="lt1"/>
+            </a:fontRef>
+          </p:style>
+          <p:txBody>
+            <a:bodyPr rtlCol="0" anchor="ctr"/>
+            <a:lstStyle/>
+            <a:p>
+              <a:pPr algn="ctr"/>
+              <a:endParaRPr lang="en-US">
+                <a:solidFill>
+                  <a:schemeClr val="lt1"/>
+                </a:solidFill>
+              </a:endParaRPr>
+            </a:p>
+          </p:txBody>
+        </p:sp>
+        <p:sp>
+          <p:nvSpPr>
+            <p:cNvPr id="39" name="TextBox 38">
+              <a:extLst>
+                <a:ext uri="{FF2B5EF4-FFF2-40B4-BE49-F238E27FC236}">
+                  <a16:creationId xmlns:a16="http://schemas.microsoft.com/office/drawing/2014/main" id="{C713ABC1-3D8B-1049-A656-649E391D363E}"/>
+                </a:ext>
+              </a:extLst>
+            </p:cNvPr>
+            <p:cNvSpPr txBox="1"/>
+            <p:nvPr/>
+          </p:nvSpPr>
+          <p:spPr>
+            <a:xfrm>
+              <a:off x="3265715" y="1537400"/>
+              <a:ext cx="1295547" cy="338554"/>
+            </a:xfrm>
+            <a:prstGeom prst="rect">
+              <a:avLst/>
+            </a:prstGeom>
+            <a:noFill/>
+          </p:spPr>
+          <p:txBody>
+            <a:bodyPr wrap="none" rtlCol="0">
+              <a:spAutoFit/>
+            </a:bodyPr>
+            <a:lstStyle/>
+            <a:p>
+              <a:r>
+                <a:rPr lang="en-US" sz="1600" i="1" dirty="0">
+                  <a:solidFill>
+                    <a:schemeClr val="bg1"/>
+                  </a:solidFill>
+                </a:rPr>
+                <a:t>libopenjp2.so</a:t>
+              </a:r>
+            </a:p>
+          </p:txBody>
+        </p:sp>
+        <p:sp>
+          <p:nvSpPr>
+            <p:cNvPr id="40" name="Rounded Rectangle 39">
+              <a:extLst>
+                <a:ext uri="{FF2B5EF4-FFF2-40B4-BE49-F238E27FC236}">
+                  <a16:creationId xmlns:a16="http://schemas.microsoft.com/office/drawing/2014/main" id="{7F9A501F-289F-0444-8A85-B28B72118861}"/>
+                </a:ext>
+              </a:extLst>
+            </p:cNvPr>
+            <p:cNvSpPr/>
+            <p:nvPr/>
+          </p:nvSpPr>
+          <p:spPr>
+            <a:xfrm>
+              <a:off x="3415441" y="1958904"/>
+              <a:ext cx="1805300" cy="401742"/>
+            </a:xfrm>
+            <a:prstGeom prst="roundRect">
+              <a:avLst/>
+            </a:prstGeom>
+            <a:ln/>
+          </p:spPr>
+          <p:style>
+            <a:lnRef idx="1">
+              <a:schemeClr val="accent2"/>
+            </a:lnRef>
+            <a:fillRef idx="2">
+              <a:schemeClr val="accent2"/>
+            </a:fillRef>
+            <a:effectRef idx="1">
+              <a:schemeClr val="accent2"/>
+            </a:effectRef>
+            <a:fontRef idx="minor">
+              <a:schemeClr val="dk1"/>
+            </a:fontRef>
+          </p:style>
+          <p:txBody>
+            <a:bodyPr rtlCol="0" anchor="ctr"/>
+            <a:lstStyle/>
+            <a:p>
+              <a:pPr algn="ctr"/>
+              <a:r>
+                <a:rPr lang="en-US" sz="1400" dirty="0" err="1"/>
+                <a:t>opj_create_</a:t>
+              </a:r>
+              <a:r>
+                <a:rPr lang="en-US" sz="1400" dirty="0" err="1">
+                  <a:solidFill>
+                    <a:schemeClr val="dk1"/>
+                  </a:solidFill>
+                </a:rPr>
+                <a:t>image</a:t>
+              </a:r>
+              <a:r>
+                <a:rPr lang="en-US" sz="1400" dirty="0">
+                  <a:solidFill>
+                    <a:schemeClr val="dk1"/>
+                  </a:solidFill>
+                </a:rPr>
+                <a:t>(</a:t>
+              </a:r>
+              <a:r>
+                <a:rPr lang="en-US" sz="1400" dirty="0"/>
+                <a:t>…</a:t>
+              </a:r>
+              <a:r>
+                <a:rPr lang="en-US" sz="1400" dirty="0">
+                  <a:solidFill>
+                    <a:schemeClr val="dk1"/>
+                  </a:solidFill>
+                </a:rPr>
+                <a:t>)</a:t>
+              </a:r>
+            </a:p>
+          </p:txBody>
+        </p:sp>
+        <p:sp>
+          <p:nvSpPr>
+            <p:cNvPr id="41" name="Rounded Rectangle 40">
+              <a:extLst>
+                <a:ext uri="{FF2B5EF4-FFF2-40B4-BE49-F238E27FC236}">
+                  <a16:creationId xmlns:a16="http://schemas.microsoft.com/office/drawing/2014/main" id="{05DB03F3-E7D7-A942-BB64-B516567CE7C7}"/>
+                </a:ext>
+              </a:extLst>
+            </p:cNvPr>
+            <p:cNvSpPr/>
+            <p:nvPr/>
+          </p:nvSpPr>
+          <p:spPr>
+            <a:xfrm>
+              <a:off x="3415440" y="2856143"/>
+              <a:ext cx="1805301" cy="401742"/>
+            </a:xfrm>
+            <a:prstGeom prst="roundRect">
+              <a:avLst/>
+            </a:prstGeom>
+            <a:ln/>
+          </p:spPr>
+          <p:style>
+            <a:lnRef idx="1">
+              <a:schemeClr val="accent2"/>
+            </a:lnRef>
+            <a:fillRef idx="2">
+              <a:schemeClr val="accent2"/>
+            </a:fillRef>
+            <a:effectRef idx="1">
+              <a:schemeClr val="accent2"/>
+            </a:effectRef>
+            <a:fontRef idx="minor">
+              <a:schemeClr val="dk1"/>
+            </a:fontRef>
+          </p:style>
+          <p:txBody>
+            <a:bodyPr rtlCol="0" anchor="ctr"/>
+            <a:lstStyle/>
+            <a:p>
+              <a:pPr algn="ctr"/>
+              <a:r>
+                <a:rPr lang="en-US" sz="1400" dirty="0" err="1"/>
+                <a:t>o</a:t>
+              </a:r>
+              <a:r>
+                <a:rPr lang="en-US" sz="1400" dirty="0" err="1">
+                  <a:solidFill>
+                    <a:schemeClr val="dk1"/>
+                  </a:solidFill>
+                </a:rPr>
+                <a:t>pj_free</a:t>
+              </a:r>
+              <a:r>
+                <a:rPr lang="en-US" sz="1400" dirty="0">
+                  <a:solidFill>
+                    <a:schemeClr val="dk1"/>
+                  </a:solidFill>
+                </a:rPr>
+                <a:t>_ image(</a:t>
+              </a:r>
+              <a:r>
+                <a:rPr lang="en-US" sz="1400" dirty="0" err="1">
+                  <a:solidFill>
+                    <a:schemeClr val="dk1"/>
+                  </a:solidFill>
+                </a:rPr>
+                <a:t>ptr</a:t>
+              </a:r>
+              <a:r>
+                <a:rPr lang="en-US" sz="1400" dirty="0">
+                  <a:solidFill>
+                    <a:schemeClr val="dk1"/>
+                  </a:solidFill>
+                </a:rPr>
+                <a:t>)</a:t>
+              </a:r>
+            </a:p>
+          </p:txBody>
+        </p:sp>
+      </p:grpSp>
+      <p:grpSp>
+        <p:nvGrpSpPr>
+          <p:cNvPr id="78" name="Group 77">
+            <a:extLst>
+              <a:ext uri="{FF2B5EF4-FFF2-40B4-BE49-F238E27FC236}">
+                <a16:creationId xmlns:a16="http://schemas.microsoft.com/office/drawing/2014/main" id="{A1C980A4-FF84-2A44-AC15-640E428100B4}"/>
+              </a:ext>
+            </a:extLst>
+          </p:cNvPr>
+          <p:cNvGrpSpPr/>
+          <p:nvPr/>
+        </p:nvGrpSpPr>
+        <p:grpSpPr>
+          <a:xfrm>
+            <a:off x="5371123" y="1459258"/>
+            <a:ext cx="2509626" cy="4922143"/>
+            <a:chOff x="5747791" y="1167158"/>
+            <a:chExt cx="2509626" cy="4922143"/>
+          </a:xfrm>
+        </p:grpSpPr>
+        <p:sp>
+          <p:nvSpPr>
+            <p:cNvPr id="18" name="Rectangle 17">
+              <a:extLst>
+                <a:ext uri="{FF2B5EF4-FFF2-40B4-BE49-F238E27FC236}">
+                  <a16:creationId xmlns:a16="http://schemas.microsoft.com/office/drawing/2014/main" id="{2DDBB76F-77A5-FD45-A657-EE479CD05AF1}"/>
+                </a:ext>
+              </a:extLst>
+            </p:cNvPr>
+            <p:cNvSpPr/>
+            <p:nvPr/>
+          </p:nvSpPr>
+          <p:spPr>
+            <a:xfrm>
+              <a:off x="5747791" y="1167158"/>
+              <a:ext cx="2509626" cy="4922143"/>
+            </a:xfrm>
+            <a:prstGeom prst="rect">
+              <a:avLst/>
+            </a:prstGeom>
+          </p:spPr>
+          <p:style>
+            <a:lnRef idx="0">
+              <a:schemeClr val="accent1"/>
+            </a:lnRef>
+            <a:fillRef idx="3">
+              <a:schemeClr val="accent1"/>
+            </a:fillRef>
+            <a:effectRef idx="3">
+              <a:schemeClr val="accent1"/>
+            </a:effectRef>
+            <a:fontRef idx="minor">
+              <a:schemeClr val="lt1"/>
+            </a:fontRef>
+          </p:style>
+          <p:txBody>
+            <a:bodyPr rtlCol="0" anchor="ctr"/>
+            <a:lstStyle/>
+            <a:p>
+              <a:pPr algn="ctr"/>
+              <a:r>
+                <a:rPr lang="en-US" dirty="0">
+                  <a:solidFill>
+                    <a:schemeClr val="lt1"/>
+                  </a:solidFill>
+                </a:rPr>
+                <a:t>…</a:t>
+              </a:r>
+            </a:p>
+          </p:txBody>
+        </p:sp>
+        <p:sp>
+          <p:nvSpPr>
+            <p:cNvPr id="19" name="TextBox 18">
+              <a:extLst>
+                <a:ext uri="{FF2B5EF4-FFF2-40B4-BE49-F238E27FC236}">
+                  <a16:creationId xmlns:a16="http://schemas.microsoft.com/office/drawing/2014/main" id="{7D76E4A5-13B7-B542-A1EB-E3A0FD33F9D2}"/>
+                </a:ext>
+              </a:extLst>
+            </p:cNvPr>
+            <p:cNvSpPr txBox="1"/>
+            <p:nvPr/>
+          </p:nvSpPr>
+          <p:spPr>
+            <a:xfrm>
+              <a:off x="5747791" y="1229585"/>
+              <a:ext cx="867545" cy="338554"/>
+            </a:xfrm>
+            <a:prstGeom prst="rect">
+              <a:avLst/>
+            </a:prstGeom>
+            <a:noFill/>
+          </p:spPr>
+          <p:txBody>
+            <a:bodyPr wrap="none" rtlCol="0">
+              <a:spAutoFit/>
+            </a:bodyPr>
+            <a:lstStyle/>
+            <a:p>
+              <a:r>
+                <a:rPr lang="en-US" sz="1600" i="1" dirty="0">
+                  <a:solidFill>
+                    <a:schemeClr val="bg1"/>
+                  </a:solidFill>
+                </a:rPr>
+                <a:t>libj2k.so</a:t>
+              </a:r>
+            </a:p>
+          </p:txBody>
+        </p:sp>
+        <p:sp>
+          <p:nvSpPr>
+            <p:cNvPr id="26" name="Rounded Rectangle 25">
+              <a:extLst>
+                <a:ext uri="{FF2B5EF4-FFF2-40B4-BE49-F238E27FC236}">
+                  <a16:creationId xmlns:a16="http://schemas.microsoft.com/office/drawing/2014/main" id="{13BA26B6-C702-1444-8CDA-38BAE82B6CCE}"/>
+                </a:ext>
+              </a:extLst>
+            </p:cNvPr>
+            <p:cNvSpPr/>
+            <p:nvPr/>
+          </p:nvSpPr>
+          <p:spPr>
+            <a:xfrm>
+              <a:off x="5954120" y="2906795"/>
+              <a:ext cx="2096968" cy="1502275"/>
+            </a:xfrm>
+            <a:prstGeom prst="roundRect">
+              <a:avLst/>
+            </a:prstGeom>
+            <a:ln>
+              <a:solidFill>
+                <a:schemeClr val="accent5">
+                  <a:lumMod val="50000"/>
+                </a:schemeClr>
+              </a:solidFill>
+              <a:prstDash val="solid"/>
+            </a:ln>
+          </p:spPr>
+          <p:style>
+            <a:lnRef idx="1">
+              <a:schemeClr val="accent5"/>
+            </a:lnRef>
+            <a:fillRef idx="2">
+              <a:schemeClr val="accent5"/>
+            </a:fillRef>
+            <a:effectRef idx="1">
+              <a:schemeClr val="accent5"/>
+            </a:effectRef>
+            <a:fontRef idx="minor">
+              <a:schemeClr val="dk1"/>
+            </a:fontRef>
+          </p:style>
+          <p:txBody>
+            <a:bodyPr rtlCol="0" anchor="ctr"/>
+            <a:lstStyle/>
+            <a:p>
+              <a:r>
+                <a:rPr lang="en-US" sz="1200" b="1" dirty="0">
+                  <a:latin typeface="+mj-lt"/>
+                  <a:cs typeface="Courier New" panose="02070309020205020404" pitchFamily="49" charset="0"/>
+                </a:rPr>
+                <a:t>int create</a:t>
+              </a:r>
+              <a:r>
+                <a:rPr lang="en-US" sz="1200" b="1" dirty="0">
+                  <a:solidFill>
+                    <a:schemeClr val="dk1"/>
+                  </a:solidFill>
+                  <a:latin typeface="+mj-lt"/>
+                  <a:cs typeface="Courier New" panose="02070309020205020404" pitchFamily="49" charset="0"/>
+                </a:rPr>
+                <a:t>_ image(</a:t>
+              </a:r>
+              <a:r>
+                <a:rPr lang="en-US" sz="1200" b="1" dirty="0">
+                  <a:latin typeface="+mj-lt"/>
+                  <a:cs typeface="Courier New" panose="02070309020205020404" pitchFamily="49" charset="0"/>
+                </a:rPr>
+                <a:t>…</a:t>
+              </a:r>
+              <a:r>
+                <a:rPr lang="en-US" sz="1200" b="1" dirty="0">
+                  <a:solidFill>
+                    <a:schemeClr val="dk1"/>
+                  </a:solidFill>
+                  <a:latin typeface="+mj-lt"/>
+                  <a:cs typeface="Courier New" panose="02070309020205020404" pitchFamily="49" charset="0"/>
+                </a:rPr>
+                <a:t>) </a:t>
+              </a:r>
+            </a:p>
+            <a:p>
+              <a:r>
+                <a:rPr lang="en-US" sz="1200" b="1" dirty="0">
+                  <a:solidFill>
+                    <a:schemeClr val="dk1"/>
+                  </a:solidFill>
+                  <a:latin typeface="+mj-lt"/>
+                  <a:cs typeface="Courier New" panose="02070309020205020404" pitchFamily="49" charset="0"/>
+                </a:rPr>
+                <a:t>{</a:t>
+              </a:r>
+            </a:p>
+            <a:p>
+              <a:r>
+                <a:rPr lang="en-US" sz="1200" b="1" dirty="0">
+                  <a:latin typeface="+mj-lt"/>
+                  <a:cs typeface="Courier New" panose="02070309020205020404" pitchFamily="49" charset="0"/>
+                </a:rPr>
+                <a:t>    p = </a:t>
+              </a:r>
+              <a:r>
+                <a:rPr lang="en-US" sz="1200" b="1" dirty="0" err="1">
+                  <a:latin typeface="+mj-lt"/>
+                  <a:cs typeface="Courier New" panose="02070309020205020404" pitchFamily="49" charset="0"/>
+                </a:rPr>
+                <a:t>opj_create_image</a:t>
+              </a:r>
+              <a:r>
+                <a:rPr lang="en-US" sz="1200" b="1" dirty="0">
+                  <a:latin typeface="+mj-lt"/>
+                  <a:cs typeface="Courier New" panose="02070309020205020404" pitchFamily="49" charset="0"/>
+                </a:rPr>
+                <a:t>(…)</a:t>
+              </a:r>
+            </a:p>
+            <a:p>
+              <a:r>
+                <a:rPr lang="en-US" sz="1200" b="1" dirty="0">
+                  <a:latin typeface="+mj-lt"/>
+                  <a:cs typeface="Courier New" panose="02070309020205020404" pitchFamily="49" charset="0"/>
+                </a:rPr>
+                <a:t>    id = </a:t>
+              </a:r>
+              <a:r>
+                <a:rPr lang="en-US" sz="1200" b="1" dirty="0" err="1">
+                  <a:latin typeface="+mj-lt"/>
+                  <a:cs typeface="Courier New" panose="02070309020205020404" pitchFamily="49" charset="0"/>
+                </a:rPr>
+                <a:t>next_id</a:t>
+              </a:r>
+              <a:r>
+                <a:rPr lang="en-US" sz="1200" b="1" dirty="0">
+                  <a:latin typeface="+mj-lt"/>
+                  <a:cs typeface="Courier New" panose="02070309020205020404" pitchFamily="49" charset="0"/>
+                </a:rPr>
+                <a:t>++</a:t>
+              </a:r>
+            </a:p>
+            <a:p>
+              <a:r>
+                <a:rPr lang="en-US" sz="1200" b="1" dirty="0">
+                  <a:latin typeface="+mj-lt"/>
+                  <a:cs typeface="Courier New" panose="02070309020205020404" pitchFamily="49" charset="0"/>
+                </a:rPr>
+                <a:t>    </a:t>
+              </a:r>
+              <a:r>
+                <a:rPr lang="en-US" sz="1200" b="1" dirty="0" err="1">
+                  <a:latin typeface="+mj-lt"/>
+                  <a:cs typeface="Courier New" panose="02070309020205020404" pitchFamily="49" charset="0"/>
+                </a:rPr>
+                <a:t>id_map</a:t>
+              </a:r>
+              <a:r>
+                <a:rPr lang="en-US" sz="1200" b="1" dirty="0">
+                  <a:latin typeface="+mj-lt"/>
+                  <a:cs typeface="Courier New" panose="02070309020205020404" pitchFamily="49" charset="0"/>
+                </a:rPr>
+                <a:t>[id] = p</a:t>
+              </a:r>
+            </a:p>
+            <a:p>
+              <a:r>
+                <a:rPr lang="en-US" sz="1200" b="1" dirty="0">
+                  <a:latin typeface="+mj-lt"/>
+                  <a:cs typeface="Courier New" panose="02070309020205020404" pitchFamily="49" charset="0"/>
+                </a:rPr>
+                <a:t>    return id</a:t>
+              </a:r>
+              <a:endParaRPr lang="en-US" sz="1200" b="1" dirty="0">
+                <a:solidFill>
+                  <a:schemeClr val="dk1"/>
+                </a:solidFill>
+                <a:latin typeface="+mj-lt"/>
+                <a:cs typeface="Courier New" panose="02070309020205020404" pitchFamily="49" charset="0"/>
+              </a:endParaRPr>
+            </a:p>
+            <a:p>
+              <a:r>
+                <a:rPr lang="en-US" sz="1200" b="1" dirty="0">
+                  <a:solidFill>
+                    <a:schemeClr val="dk1"/>
+                  </a:solidFill>
+                  <a:latin typeface="+mj-lt"/>
+                  <a:cs typeface="Courier New" panose="02070309020205020404" pitchFamily="49" charset="0"/>
+                </a:rPr>
+                <a:t>}</a:t>
+              </a:r>
+            </a:p>
+          </p:txBody>
+        </p:sp>
+        <p:grpSp>
+          <p:nvGrpSpPr>
+            <p:cNvPr id="73" name="Group 72">
+              <a:extLst>
+                <a:ext uri="{FF2B5EF4-FFF2-40B4-BE49-F238E27FC236}">
+                  <a16:creationId xmlns:a16="http://schemas.microsoft.com/office/drawing/2014/main" id="{34E13962-0CC8-4B44-A941-A984D38C2E9A}"/>
+                </a:ext>
+              </a:extLst>
+            </p:cNvPr>
+            <p:cNvGrpSpPr/>
+            <p:nvPr/>
+          </p:nvGrpSpPr>
+          <p:grpSpPr>
+            <a:xfrm>
+              <a:off x="6202504" y="1626715"/>
+              <a:ext cx="1600200" cy="1143624"/>
+              <a:chOff x="6240026" y="2053696"/>
+              <a:chExt cx="1600200" cy="1143624"/>
+            </a:xfrm>
+          </p:grpSpPr>
+          <p:sp>
+            <p:nvSpPr>
+              <p:cNvPr id="45" name="Rectangle 44">
+                <a:extLst>
+                  <a:ext uri="{FF2B5EF4-FFF2-40B4-BE49-F238E27FC236}">
+                    <a16:creationId xmlns:a16="http://schemas.microsoft.com/office/drawing/2014/main" id="{A1D98274-28C9-A248-A07B-8B719483CC60}"/>
+                  </a:ext>
+                </a:extLst>
+              </p:cNvPr>
+              <p:cNvSpPr/>
+              <p:nvPr/>
+            </p:nvSpPr>
+            <p:spPr>
+              <a:xfrm>
+                <a:off x="6240026" y="2053696"/>
+                <a:ext cx="685800" cy="164592"/>
+              </a:xfrm>
+              <a:prstGeom prst="rect">
+                <a:avLst/>
+              </a:prstGeom>
+              <a:solidFill>
+                <a:schemeClr val="accent1">
+                  <a:lumMod val="40000"/>
+                  <a:lumOff val="60000"/>
+                </a:schemeClr>
+              </a:solidFill>
+              <a:ln w="19050">
+                <a:solidFill>
+                  <a:schemeClr val="bg1"/>
+                </a:solidFill>
+              </a:ln>
+            </p:spPr>
+            <p:style>
+              <a:lnRef idx="2">
+                <a:schemeClr val="accent1">
+                  <a:shade val="50000"/>
+                </a:schemeClr>
+              </a:lnRef>
+              <a:fillRef idx="1">
+                <a:schemeClr val="accent1"/>
+              </a:fillRef>
+              <a:effectRef idx="0">
+                <a:schemeClr val="accent1"/>
+              </a:effectRef>
+              <a:fontRef idx="minor">
+                <a:schemeClr val="lt1"/>
+              </a:fontRef>
+            </p:style>
+            <p:txBody>
+              <a:bodyPr rtlCol="0" anchor="ctr"/>
+              <a:lstStyle/>
+              <a:p>
+                <a:pPr algn="ctr"/>
+                <a:r>
+                  <a:rPr lang="en-US" sz="1000" b="1" dirty="0">
+                    <a:solidFill>
+                      <a:schemeClr val="tx1"/>
+                    </a:solidFill>
+                    <a:latin typeface="+mj-lt"/>
+                  </a:rPr>
+                  <a:t>data id</a:t>
+                </a:r>
+              </a:p>
+            </p:txBody>
+          </p:sp>
+          <p:sp>
+            <p:nvSpPr>
+              <p:cNvPr id="59" name="Rectangle 58">
+                <a:extLst>
+                  <a:ext uri="{FF2B5EF4-FFF2-40B4-BE49-F238E27FC236}">
+                    <a16:creationId xmlns:a16="http://schemas.microsoft.com/office/drawing/2014/main" id="{CA9F6362-7DC3-1343-8440-34C0F2DCC02E}"/>
+                  </a:ext>
+                </a:extLst>
+              </p:cNvPr>
+              <p:cNvSpPr/>
+              <p:nvPr/>
+            </p:nvSpPr>
+            <p:spPr>
+              <a:xfrm>
+                <a:off x="6240026" y="2216868"/>
+                <a:ext cx="685800" cy="164592"/>
+              </a:xfrm>
+              <a:prstGeom prst="rect">
+                <a:avLst/>
+              </a:prstGeom>
+              <a:noFill/>
+              <a:ln w="19050">
+                <a:solidFill>
+                  <a:schemeClr val="bg1"/>
+                </a:solidFill>
+              </a:ln>
+            </p:spPr>
+            <p:style>
+              <a:lnRef idx="2">
+                <a:schemeClr val="accent1">
+                  <a:shade val="50000"/>
+                </a:schemeClr>
+              </a:lnRef>
+              <a:fillRef idx="1">
+                <a:schemeClr val="accent1"/>
+              </a:fillRef>
+              <a:effectRef idx="0">
+                <a:schemeClr val="accent1"/>
+              </a:effectRef>
+              <a:fontRef idx="minor">
+                <a:schemeClr val="lt1"/>
+              </a:fontRef>
+            </p:style>
+            <p:txBody>
+              <a:bodyPr rtlCol="0" anchor="ctr"/>
+              <a:lstStyle/>
+              <a:p>
+                <a:pPr algn="ctr"/>
+                <a:r>
+                  <a:rPr lang="en-US" sz="1000" dirty="0">
+                    <a:solidFill>
+                      <a:schemeClr val="bg1"/>
+                    </a:solidFill>
+                    <a:latin typeface="+mj-lt"/>
+                  </a:rPr>
+                  <a:t>…</a:t>
+                </a:r>
+              </a:p>
+            </p:txBody>
+          </p:sp>
+          <p:sp>
+            <p:nvSpPr>
+              <p:cNvPr id="60" name="Rectangle 59">
+                <a:extLst>
+                  <a:ext uri="{FF2B5EF4-FFF2-40B4-BE49-F238E27FC236}">
+                    <a16:creationId xmlns:a16="http://schemas.microsoft.com/office/drawing/2014/main" id="{8CC43310-0167-4049-BDB6-C2C4E6B8F9ED}"/>
+                  </a:ext>
+                </a:extLst>
+              </p:cNvPr>
+              <p:cNvSpPr/>
+              <p:nvPr/>
+            </p:nvSpPr>
+            <p:spPr>
+              <a:xfrm>
+                <a:off x="6240026" y="2380040"/>
+                <a:ext cx="685800" cy="164592"/>
+              </a:xfrm>
+              <a:prstGeom prst="rect">
+                <a:avLst/>
+              </a:prstGeom>
+              <a:noFill/>
+              <a:ln w="19050">
+                <a:solidFill>
+                  <a:schemeClr val="bg1"/>
+                </a:solidFill>
+              </a:ln>
+            </p:spPr>
+            <p:style>
+              <a:lnRef idx="2">
+                <a:schemeClr val="accent1">
+                  <a:shade val="50000"/>
+                </a:schemeClr>
+              </a:lnRef>
+              <a:fillRef idx="1">
+                <a:schemeClr val="accent1"/>
+              </a:fillRef>
+              <a:effectRef idx="0">
+                <a:schemeClr val="accent1"/>
+              </a:effectRef>
+              <a:fontRef idx="minor">
+                <a:schemeClr val="lt1"/>
+              </a:fontRef>
+            </p:style>
+            <p:txBody>
+              <a:bodyPr rtlCol="0" anchor="ctr"/>
+              <a:lstStyle/>
+              <a:p>
+                <a:pPr algn="ctr"/>
+                <a:r>
+                  <a:rPr lang="en-US" sz="1000" dirty="0">
+                    <a:solidFill>
+                      <a:schemeClr val="bg1"/>
+                    </a:solidFill>
+                    <a:latin typeface="+mj-lt"/>
+                  </a:rPr>
+                  <a:t>13</a:t>
+                </a:r>
+              </a:p>
+            </p:txBody>
+          </p:sp>
+          <p:sp>
+            <p:nvSpPr>
+              <p:cNvPr id="61" name="Rectangle 60">
+                <a:extLst>
+                  <a:ext uri="{FF2B5EF4-FFF2-40B4-BE49-F238E27FC236}">
+                    <a16:creationId xmlns:a16="http://schemas.microsoft.com/office/drawing/2014/main" id="{AA2E6131-0C66-CD4F-86E5-B35BDD2FB78D}"/>
+                  </a:ext>
+                </a:extLst>
+              </p:cNvPr>
+              <p:cNvSpPr/>
+              <p:nvPr/>
+            </p:nvSpPr>
+            <p:spPr>
+              <a:xfrm>
+                <a:off x="6240026" y="2543212"/>
+                <a:ext cx="685800" cy="164592"/>
+              </a:xfrm>
+              <a:prstGeom prst="rect">
+                <a:avLst/>
+              </a:prstGeom>
+              <a:noFill/>
+              <a:ln w="19050">
+                <a:solidFill>
+                  <a:schemeClr val="bg1"/>
+                </a:solidFill>
+              </a:ln>
+            </p:spPr>
+            <p:style>
+              <a:lnRef idx="2">
+                <a:schemeClr val="accent1">
+                  <a:shade val="50000"/>
+                </a:schemeClr>
+              </a:lnRef>
+              <a:fillRef idx="1">
+                <a:schemeClr val="accent1"/>
+              </a:fillRef>
+              <a:effectRef idx="0">
+                <a:schemeClr val="accent1"/>
+              </a:effectRef>
+              <a:fontRef idx="minor">
+                <a:schemeClr val="lt1"/>
+              </a:fontRef>
+            </p:style>
+            <p:txBody>
+              <a:bodyPr rtlCol="0" anchor="ctr"/>
+              <a:lstStyle/>
+              <a:p>
+                <a:pPr algn="ctr"/>
+                <a:r>
+                  <a:rPr lang="en-US" sz="1000" dirty="0">
+                    <a:solidFill>
+                      <a:schemeClr val="bg1"/>
+                    </a:solidFill>
+                    <a:latin typeface="+mj-lt"/>
+                  </a:rPr>
+                  <a:t>14</a:t>
+                </a:r>
+              </a:p>
+            </p:txBody>
+          </p:sp>
+          <p:sp>
+            <p:nvSpPr>
+              <p:cNvPr id="62" name="Rectangle 61">
+                <a:extLst>
+                  <a:ext uri="{FF2B5EF4-FFF2-40B4-BE49-F238E27FC236}">
+                    <a16:creationId xmlns:a16="http://schemas.microsoft.com/office/drawing/2014/main" id="{5A7FFCD2-68A3-884A-A302-4A25A45671A6}"/>
+                  </a:ext>
+                </a:extLst>
+              </p:cNvPr>
+              <p:cNvSpPr/>
+              <p:nvPr/>
+            </p:nvSpPr>
+            <p:spPr>
+              <a:xfrm>
+                <a:off x="6240026" y="2706384"/>
+                <a:ext cx="685800" cy="164592"/>
+              </a:xfrm>
+              <a:prstGeom prst="rect">
+                <a:avLst/>
+              </a:prstGeom>
+              <a:noFill/>
+              <a:ln w="19050">
+                <a:solidFill>
+                  <a:schemeClr val="bg1"/>
+                </a:solidFill>
+              </a:ln>
+            </p:spPr>
+            <p:style>
+              <a:lnRef idx="2">
+                <a:schemeClr val="accent1">
+                  <a:shade val="50000"/>
+                </a:schemeClr>
+              </a:lnRef>
+              <a:fillRef idx="1">
+                <a:schemeClr val="accent1"/>
+              </a:fillRef>
+              <a:effectRef idx="0">
+                <a:schemeClr val="accent1"/>
+              </a:effectRef>
+              <a:fontRef idx="minor">
+                <a:schemeClr val="lt1"/>
+              </a:fontRef>
+            </p:style>
+            <p:txBody>
+              <a:bodyPr rtlCol="0" anchor="ctr"/>
+              <a:lstStyle/>
+              <a:p>
+                <a:pPr algn="ctr"/>
+                <a:r>
+                  <a:rPr lang="en-US" sz="1000" dirty="0">
+                    <a:solidFill>
+                      <a:schemeClr val="bg1"/>
+                    </a:solidFill>
+                    <a:latin typeface="+mj-lt"/>
+                  </a:rPr>
+                  <a:t>15</a:t>
+                </a:r>
+              </a:p>
+            </p:txBody>
+          </p:sp>
+          <p:sp>
+            <p:nvSpPr>
+              <p:cNvPr id="63" name="Rectangle 62">
+                <a:extLst>
+                  <a:ext uri="{FF2B5EF4-FFF2-40B4-BE49-F238E27FC236}">
+                    <a16:creationId xmlns:a16="http://schemas.microsoft.com/office/drawing/2014/main" id="{53E5E01E-6984-704E-BD04-476BAA2081F6}"/>
+                  </a:ext>
+                </a:extLst>
+              </p:cNvPr>
+              <p:cNvSpPr/>
+              <p:nvPr/>
+            </p:nvSpPr>
+            <p:spPr>
+              <a:xfrm>
+                <a:off x="6240026" y="2869556"/>
+                <a:ext cx="685800" cy="164592"/>
+              </a:xfrm>
+              <a:prstGeom prst="rect">
+                <a:avLst/>
+              </a:prstGeom>
+              <a:noFill/>
+              <a:ln w="19050">
+                <a:solidFill>
+                  <a:schemeClr val="bg1"/>
+                </a:solidFill>
+              </a:ln>
+            </p:spPr>
+            <p:style>
+              <a:lnRef idx="2">
+                <a:schemeClr val="accent1">
+                  <a:shade val="50000"/>
+                </a:schemeClr>
+              </a:lnRef>
+              <a:fillRef idx="1">
+                <a:schemeClr val="accent1"/>
+              </a:fillRef>
+              <a:effectRef idx="0">
+                <a:schemeClr val="accent1"/>
+              </a:effectRef>
+              <a:fontRef idx="minor">
+                <a:schemeClr val="lt1"/>
+              </a:fontRef>
+            </p:style>
+            <p:txBody>
+              <a:bodyPr rtlCol="0" anchor="ctr"/>
+              <a:lstStyle/>
+              <a:p>
+                <a:pPr algn="ctr"/>
+                <a:r>
+                  <a:rPr lang="en-US" sz="1000" dirty="0">
+                    <a:solidFill>
+                      <a:schemeClr val="bg1"/>
+                    </a:solidFill>
+                    <a:latin typeface="+mj-lt"/>
+                  </a:rPr>
+                  <a:t>16</a:t>
+                </a:r>
+              </a:p>
+            </p:txBody>
+          </p:sp>
+          <p:sp>
+            <p:nvSpPr>
+              <p:cNvPr id="64" name="Rectangle 63">
+                <a:extLst>
+                  <a:ext uri="{FF2B5EF4-FFF2-40B4-BE49-F238E27FC236}">
+                    <a16:creationId xmlns:a16="http://schemas.microsoft.com/office/drawing/2014/main" id="{8224431A-B653-DF44-9E3F-A03BCF77894E}"/>
+                  </a:ext>
+                </a:extLst>
+              </p:cNvPr>
+              <p:cNvSpPr/>
+              <p:nvPr/>
+            </p:nvSpPr>
+            <p:spPr>
+              <a:xfrm>
+                <a:off x="6240026" y="3032728"/>
+                <a:ext cx="685800" cy="164592"/>
+              </a:xfrm>
+              <a:prstGeom prst="rect">
+                <a:avLst/>
+              </a:prstGeom>
+              <a:noFill/>
+              <a:ln w="19050">
+                <a:solidFill>
+                  <a:schemeClr val="bg1"/>
+                </a:solidFill>
+              </a:ln>
+            </p:spPr>
+            <p:style>
+              <a:lnRef idx="2">
+                <a:schemeClr val="accent1">
+                  <a:shade val="50000"/>
+                </a:schemeClr>
+              </a:lnRef>
+              <a:fillRef idx="1">
+                <a:schemeClr val="accent1"/>
+              </a:fillRef>
+              <a:effectRef idx="0">
+                <a:schemeClr val="accent1"/>
+              </a:effectRef>
+              <a:fontRef idx="minor">
+                <a:schemeClr val="lt1"/>
+              </a:fontRef>
+            </p:style>
+            <p:txBody>
+              <a:bodyPr rtlCol="0" anchor="ctr"/>
+              <a:lstStyle/>
+              <a:p>
+                <a:pPr algn="ctr"/>
+                <a:r>
+                  <a:rPr lang="en-US" sz="1000" dirty="0">
+                    <a:solidFill>
+                      <a:schemeClr val="bg1"/>
+                    </a:solidFill>
+                    <a:latin typeface="+mj-lt"/>
+                  </a:rPr>
+                  <a:t>…</a:t>
+                </a:r>
+              </a:p>
+            </p:txBody>
+          </p:sp>
+          <p:sp>
+            <p:nvSpPr>
+              <p:cNvPr id="65" name="Rectangle 64">
+                <a:extLst>
+                  <a:ext uri="{FF2B5EF4-FFF2-40B4-BE49-F238E27FC236}">
+                    <a16:creationId xmlns:a16="http://schemas.microsoft.com/office/drawing/2014/main" id="{6D07EC1B-9E8D-7F44-B339-1F8E0D17CAE1}"/>
+                  </a:ext>
+                </a:extLst>
+              </p:cNvPr>
+              <p:cNvSpPr/>
+              <p:nvPr/>
+            </p:nvSpPr>
+            <p:spPr>
+              <a:xfrm>
+                <a:off x="6925826" y="2053696"/>
+                <a:ext cx="914400" cy="164592"/>
+              </a:xfrm>
+              <a:prstGeom prst="rect">
+                <a:avLst/>
+              </a:prstGeom>
+              <a:solidFill>
+                <a:schemeClr val="accent1">
+                  <a:lumMod val="40000"/>
+                  <a:lumOff val="60000"/>
+                </a:schemeClr>
+              </a:solidFill>
+              <a:ln w="19050">
+                <a:solidFill>
+                  <a:schemeClr val="bg1"/>
+                </a:solidFill>
+              </a:ln>
+            </p:spPr>
+            <p:style>
+              <a:lnRef idx="2">
+                <a:schemeClr val="accent1">
+                  <a:shade val="50000"/>
+                </a:schemeClr>
+              </a:lnRef>
+              <a:fillRef idx="1">
+                <a:schemeClr val="accent1"/>
+              </a:fillRef>
+              <a:effectRef idx="0">
+                <a:schemeClr val="accent1"/>
+              </a:effectRef>
+              <a:fontRef idx="minor">
+                <a:schemeClr val="lt1"/>
+              </a:fontRef>
+            </p:style>
+            <p:txBody>
+              <a:bodyPr rtlCol="0" anchor="ctr"/>
+              <a:lstStyle/>
+              <a:p>
+                <a:pPr algn="ctr"/>
+                <a:r>
+                  <a:rPr lang="en-US" sz="1000" b="1" dirty="0" err="1">
+                    <a:solidFill>
+                      <a:schemeClr val="tx1"/>
+                    </a:solidFill>
+                    <a:latin typeface="+mj-lt"/>
+                  </a:rPr>
+                  <a:t>ptr</a:t>
+                </a:r>
+                <a:endParaRPr lang="en-US" sz="1000" b="1" dirty="0">
+                  <a:solidFill>
+                    <a:schemeClr val="tx1"/>
+                  </a:solidFill>
+                  <a:latin typeface="+mj-lt"/>
+                </a:endParaRPr>
+              </a:p>
+            </p:txBody>
+          </p:sp>
+          <p:sp>
+            <p:nvSpPr>
+              <p:cNvPr id="66" name="Rectangle 65">
+                <a:extLst>
+                  <a:ext uri="{FF2B5EF4-FFF2-40B4-BE49-F238E27FC236}">
+                    <a16:creationId xmlns:a16="http://schemas.microsoft.com/office/drawing/2014/main" id="{02CD0B2B-2DAE-DD41-A0A1-7204E3A29642}"/>
+                  </a:ext>
+                </a:extLst>
+              </p:cNvPr>
+              <p:cNvSpPr/>
+              <p:nvPr/>
+            </p:nvSpPr>
+            <p:spPr>
+              <a:xfrm>
+                <a:off x="6925826" y="2216868"/>
+                <a:ext cx="914400" cy="164592"/>
+              </a:xfrm>
+              <a:prstGeom prst="rect">
+                <a:avLst/>
+              </a:prstGeom>
+              <a:noFill/>
+              <a:ln w="19050">
+                <a:solidFill>
+                  <a:schemeClr val="bg1"/>
+                </a:solidFill>
+              </a:ln>
+            </p:spPr>
+            <p:style>
+              <a:lnRef idx="2">
+                <a:schemeClr val="accent1">
+                  <a:shade val="50000"/>
+                </a:schemeClr>
+              </a:lnRef>
+              <a:fillRef idx="1">
+                <a:schemeClr val="accent1"/>
+              </a:fillRef>
+              <a:effectRef idx="0">
+                <a:schemeClr val="accent1"/>
+              </a:effectRef>
+              <a:fontRef idx="minor">
+                <a:schemeClr val="lt1"/>
+              </a:fontRef>
+            </p:style>
+            <p:txBody>
+              <a:bodyPr rtlCol="0" anchor="ctr"/>
+              <a:lstStyle/>
+              <a:p>
+                <a:pPr algn="ctr"/>
+                <a:endParaRPr lang="en-US" sz="1000">
+                  <a:solidFill>
+                    <a:schemeClr val="bg1"/>
+                  </a:solidFill>
+                  <a:latin typeface="+mj-lt"/>
+                </a:endParaRPr>
+              </a:p>
+            </p:txBody>
+          </p:sp>
+          <p:sp>
+            <p:nvSpPr>
+              <p:cNvPr id="67" name="Rectangle 66">
+                <a:extLst>
+                  <a:ext uri="{FF2B5EF4-FFF2-40B4-BE49-F238E27FC236}">
+                    <a16:creationId xmlns:a16="http://schemas.microsoft.com/office/drawing/2014/main" id="{FB5EF28D-527F-1645-82D0-A6685D59B32E}"/>
+                  </a:ext>
+                </a:extLst>
+              </p:cNvPr>
+              <p:cNvSpPr/>
+              <p:nvPr/>
+            </p:nvSpPr>
+            <p:spPr>
+              <a:xfrm>
+                <a:off x="6925826" y="2380040"/>
+                <a:ext cx="914400" cy="164592"/>
+              </a:xfrm>
+              <a:prstGeom prst="rect">
+                <a:avLst/>
+              </a:prstGeom>
+              <a:noFill/>
+              <a:ln w="19050">
+                <a:solidFill>
+                  <a:schemeClr val="bg1"/>
+                </a:solidFill>
+              </a:ln>
+            </p:spPr>
+            <p:style>
+              <a:lnRef idx="2">
+                <a:schemeClr val="accent1">
+                  <a:shade val="50000"/>
+                </a:schemeClr>
+              </a:lnRef>
+              <a:fillRef idx="1">
+                <a:schemeClr val="accent1"/>
+              </a:fillRef>
+              <a:effectRef idx="0">
+                <a:schemeClr val="accent1"/>
+              </a:effectRef>
+              <a:fontRef idx="minor">
+                <a:schemeClr val="lt1"/>
+              </a:fontRef>
+            </p:style>
+            <p:txBody>
+              <a:bodyPr rtlCol="0" anchor="ctr"/>
+              <a:lstStyle/>
+              <a:p>
+                <a:pPr algn="ctr"/>
+                <a:r>
+                  <a:rPr lang="en-US" sz="1000" dirty="0">
+                    <a:solidFill>
+                      <a:schemeClr val="bg1"/>
+                    </a:solidFill>
+                    <a:latin typeface="+mj-lt"/>
+                  </a:rPr>
+                  <a:t>0x12345678</a:t>
+                </a:r>
+              </a:p>
+            </p:txBody>
+          </p:sp>
+          <p:sp>
+            <p:nvSpPr>
+              <p:cNvPr id="68" name="Rectangle 67">
+                <a:extLst>
+                  <a:ext uri="{FF2B5EF4-FFF2-40B4-BE49-F238E27FC236}">
+                    <a16:creationId xmlns:a16="http://schemas.microsoft.com/office/drawing/2014/main" id="{EC493C0A-186A-4044-A54F-8DF26B5FCCC9}"/>
+                  </a:ext>
+                </a:extLst>
+              </p:cNvPr>
+              <p:cNvSpPr/>
+              <p:nvPr/>
+            </p:nvSpPr>
+            <p:spPr>
+              <a:xfrm>
+                <a:off x="6925826" y="2543212"/>
+                <a:ext cx="914400" cy="164592"/>
+              </a:xfrm>
+              <a:prstGeom prst="rect">
+                <a:avLst/>
+              </a:prstGeom>
+              <a:noFill/>
+              <a:ln w="19050">
+                <a:solidFill>
+                  <a:schemeClr val="bg1"/>
+                </a:solidFill>
+              </a:ln>
+            </p:spPr>
+            <p:style>
+              <a:lnRef idx="2">
+                <a:schemeClr val="accent1">
+                  <a:shade val="50000"/>
+                </a:schemeClr>
+              </a:lnRef>
+              <a:fillRef idx="1">
+                <a:schemeClr val="accent1"/>
+              </a:fillRef>
+              <a:effectRef idx="0">
+                <a:schemeClr val="accent1"/>
+              </a:effectRef>
+              <a:fontRef idx="minor">
+                <a:schemeClr val="lt1"/>
+              </a:fontRef>
+            </p:style>
+            <p:txBody>
+              <a:bodyPr rtlCol="0" anchor="ctr"/>
+              <a:lstStyle/>
+              <a:p>
+                <a:pPr algn="ctr"/>
+                <a:r>
+                  <a:rPr lang="en-US" sz="1000" dirty="0">
+                    <a:solidFill>
+                      <a:schemeClr val="bg1"/>
+                    </a:solidFill>
+                    <a:latin typeface="+mj-lt"/>
+                  </a:rPr>
+                  <a:t>NULL</a:t>
+                </a:r>
+              </a:p>
+            </p:txBody>
+          </p:sp>
+          <p:sp>
+            <p:nvSpPr>
+              <p:cNvPr id="69" name="Rectangle 68">
+                <a:extLst>
+                  <a:ext uri="{FF2B5EF4-FFF2-40B4-BE49-F238E27FC236}">
+                    <a16:creationId xmlns:a16="http://schemas.microsoft.com/office/drawing/2014/main" id="{BE8D927C-B640-5440-90A6-432FCBAE0CC3}"/>
+                  </a:ext>
+                </a:extLst>
+              </p:cNvPr>
+              <p:cNvSpPr/>
+              <p:nvPr/>
+            </p:nvSpPr>
+            <p:spPr>
+              <a:xfrm>
+                <a:off x="6925826" y="2706384"/>
+                <a:ext cx="914400" cy="164592"/>
+              </a:xfrm>
+              <a:prstGeom prst="rect">
+                <a:avLst/>
+              </a:prstGeom>
+              <a:noFill/>
+              <a:ln w="19050">
+                <a:solidFill>
+                  <a:schemeClr val="bg1"/>
+                </a:solidFill>
+              </a:ln>
+            </p:spPr>
+            <p:style>
+              <a:lnRef idx="2">
+                <a:schemeClr val="accent1">
+                  <a:shade val="50000"/>
+                </a:schemeClr>
+              </a:lnRef>
+              <a:fillRef idx="1">
+                <a:schemeClr val="accent1"/>
+              </a:fillRef>
+              <a:effectRef idx="0">
+                <a:schemeClr val="accent1"/>
+              </a:effectRef>
+              <a:fontRef idx="minor">
+                <a:schemeClr val="lt1"/>
+              </a:fontRef>
+            </p:style>
+            <p:txBody>
+              <a:bodyPr rtlCol="0" anchor="ctr"/>
+              <a:lstStyle/>
+              <a:p>
+                <a:pPr algn="ctr"/>
+                <a:r>
+                  <a:rPr lang="en-US" sz="1000" dirty="0">
+                    <a:solidFill>
+                      <a:schemeClr val="bg1"/>
+                    </a:solidFill>
+                    <a:latin typeface="+mj-lt"/>
+                  </a:rPr>
+                  <a:t>NULL</a:t>
+                </a:r>
+              </a:p>
+            </p:txBody>
+          </p:sp>
+          <p:sp>
+            <p:nvSpPr>
+              <p:cNvPr id="70" name="Rectangle 69">
+                <a:extLst>
+                  <a:ext uri="{FF2B5EF4-FFF2-40B4-BE49-F238E27FC236}">
+                    <a16:creationId xmlns:a16="http://schemas.microsoft.com/office/drawing/2014/main" id="{C65191CF-62D0-4347-8A64-82B2AAF85678}"/>
+                  </a:ext>
+                </a:extLst>
+              </p:cNvPr>
+              <p:cNvSpPr/>
+              <p:nvPr/>
+            </p:nvSpPr>
+            <p:spPr>
+              <a:xfrm>
+                <a:off x="6925826" y="2869556"/>
+                <a:ext cx="914400" cy="164592"/>
+              </a:xfrm>
+              <a:prstGeom prst="rect">
+                <a:avLst/>
+              </a:prstGeom>
+              <a:noFill/>
+              <a:ln w="19050">
+                <a:solidFill>
+                  <a:schemeClr val="bg1"/>
+                </a:solidFill>
+              </a:ln>
+            </p:spPr>
+            <p:style>
+              <a:lnRef idx="2">
+                <a:schemeClr val="accent1">
+                  <a:shade val="50000"/>
+                </a:schemeClr>
+              </a:lnRef>
+              <a:fillRef idx="1">
+                <a:schemeClr val="accent1"/>
+              </a:fillRef>
+              <a:effectRef idx="0">
+                <a:schemeClr val="accent1"/>
+              </a:effectRef>
+              <a:fontRef idx="minor">
+                <a:schemeClr val="lt1"/>
+              </a:fontRef>
+            </p:style>
+            <p:txBody>
+              <a:bodyPr rtlCol="0" anchor="ctr"/>
+              <a:lstStyle/>
+              <a:p>
+                <a:pPr algn="ctr"/>
+                <a:r>
+                  <a:rPr lang="en-US" sz="1000" dirty="0">
+                    <a:solidFill>
+                      <a:schemeClr val="bg1"/>
+                    </a:solidFill>
+                    <a:latin typeface="+mj-lt"/>
+                  </a:rPr>
+                  <a:t>0x12348765</a:t>
+                </a:r>
+              </a:p>
+            </p:txBody>
+          </p:sp>
+          <p:sp>
+            <p:nvSpPr>
+              <p:cNvPr id="71" name="Rectangle 70">
+                <a:extLst>
+                  <a:ext uri="{FF2B5EF4-FFF2-40B4-BE49-F238E27FC236}">
+                    <a16:creationId xmlns:a16="http://schemas.microsoft.com/office/drawing/2014/main" id="{FC6BE0B2-4C60-6344-856D-237757C32C6C}"/>
+                  </a:ext>
+                </a:extLst>
+              </p:cNvPr>
+              <p:cNvSpPr/>
+              <p:nvPr/>
+            </p:nvSpPr>
+            <p:spPr>
+              <a:xfrm>
+                <a:off x="6925826" y="3032728"/>
+                <a:ext cx="914400" cy="164592"/>
+              </a:xfrm>
+              <a:prstGeom prst="rect">
+                <a:avLst/>
+              </a:prstGeom>
+              <a:noFill/>
+              <a:ln w="19050">
+                <a:solidFill>
+                  <a:schemeClr val="bg1"/>
+                </a:solidFill>
+              </a:ln>
+            </p:spPr>
+            <p:style>
+              <a:lnRef idx="2">
+                <a:schemeClr val="accent1">
+                  <a:shade val="50000"/>
+                </a:schemeClr>
+              </a:lnRef>
+              <a:fillRef idx="1">
+                <a:schemeClr val="accent1"/>
+              </a:fillRef>
+              <a:effectRef idx="0">
+                <a:schemeClr val="accent1"/>
+              </a:effectRef>
+              <a:fontRef idx="minor">
+                <a:schemeClr val="lt1"/>
+              </a:fontRef>
+            </p:style>
+            <p:txBody>
+              <a:bodyPr rtlCol="0" anchor="ctr"/>
+              <a:lstStyle/>
+              <a:p>
+                <a:pPr algn="ctr"/>
+                <a:endParaRPr lang="en-US" sz="1000">
+                  <a:solidFill>
+                    <a:schemeClr val="bg1"/>
+                  </a:solidFill>
+                  <a:latin typeface="+mj-lt"/>
+                </a:endParaRPr>
+              </a:p>
+            </p:txBody>
+          </p:sp>
+        </p:grpSp>
+        <p:sp>
+          <p:nvSpPr>
+            <p:cNvPr id="76" name="Rounded Rectangle 75">
+              <a:extLst>
+                <a:ext uri="{FF2B5EF4-FFF2-40B4-BE49-F238E27FC236}">
+                  <a16:creationId xmlns:a16="http://schemas.microsoft.com/office/drawing/2014/main" id="{6F6EC394-73FF-9745-AFE1-E63DD810C5B2}"/>
+                </a:ext>
+              </a:extLst>
+            </p:cNvPr>
+            <p:cNvSpPr/>
+            <p:nvPr/>
+          </p:nvSpPr>
+          <p:spPr>
+            <a:xfrm>
+              <a:off x="5954120" y="4480147"/>
+              <a:ext cx="2096968" cy="1502275"/>
+            </a:xfrm>
+            <a:prstGeom prst="roundRect">
+              <a:avLst/>
+            </a:prstGeom>
+            <a:ln>
+              <a:solidFill>
+                <a:schemeClr val="accent5">
+                  <a:lumMod val="50000"/>
+                </a:schemeClr>
+              </a:solidFill>
+              <a:prstDash val="solid"/>
+            </a:ln>
+          </p:spPr>
+          <p:style>
+            <a:lnRef idx="1">
+              <a:schemeClr val="accent5"/>
+            </a:lnRef>
+            <a:fillRef idx="2">
+              <a:schemeClr val="accent5"/>
+            </a:fillRef>
+            <a:effectRef idx="1">
+              <a:schemeClr val="accent5"/>
+            </a:effectRef>
+            <a:fontRef idx="minor">
+              <a:schemeClr val="dk1"/>
+            </a:fontRef>
+          </p:style>
+          <p:txBody>
+            <a:bodyPr rtlCol="0" anchor="ctr"/>
+            <a:lstStyle/>
+            <a:p>
+              <a:r>
+                <a:rPr lang="en-US" sz="1200" b="1" dirty="0">
+                  <a:solidFill>
+                    <a:schemeClr val="dk1"/>
+                  </a:solidFill>
+                  <a:latin typeface="+mj-lt"/>
+                  <a:cs typeface="Courier New" panose="02070309020205020404" pitchFamily="49" charset="0"/>
+                </a:rPr>
+                <a:t>free_ </a:t>
+              </a:r>
+              <a:r>
+                <a:rPr lang="en-US" sz="1200" b="1" dirty="0" err="1">
+                  <a:solidFill>
+                    <a:schemeClr val="dk1"/>
+                  </a:solidFill>
+                  <a:latin typeface="+mj-lt"/>
+                  <a:cs typeface="Courier New" panose="02070309020205020404" pitchFamily="49" charset="0"/>
+                </a:rPr>
+                <a:t>image_id</a:t>
+              </a:r>
+              <a:r>
+                <a:rPr lang="en-US" sz="1200" b="1" dirty="0">
+                  <a:solidFill>
+                    <a:schemeClr val="dk1"/>
+                  </a:solidFill>
+                  <a:latin typeface="+mj-lt"/>
+                  <a:cs typeface="Courier New" panose="02070309020205020404" pitchFamily="49" charset="0"/>
+                </a:rPr>
+                <a:t>(int id) </a:t>
+              </a:r>
+            </a:p>
+            <a:p>
+              <a:r>
+                <a:rPr lang="en-US" sz="1200" b="1" dirty="0">
+                  <a:solidFill>
+                    <a:schemeClr val="dk1"/>
+                  </a:solidFill>
+                  <a:latin typeface="+mj-lt"/>
+                  <a:cs typeface="Courier New" panose="02070309020205020404" pitchFamily="49" charset="0"/>
+                </a:rPr>
+                <a:t>{</a:t>
+              </a:r>
+            </a:p>
+            <a:p>
+              <a:r>
+                <a:rPr lang="en-US" sz="1200" b="1" dirty="0">
+                  <a:latin typeface="+mj-lt"/>
+                  <a:cs typeface="Courier New" panose="02070309020205020404" pitchFamily="49" charset="0"/>
+                </a:rPr>
+                <a:t>    p = </a:t>
+              </a:r>
+              <a:r>
+                <a:rPr lang="en-US" sz="1200" b="1" dirty="0" err="1">
+                  <a:latin typeface="+mj-lt"/>
+                  <a:cs typeface="Courier New" panose="02070309020205020404" pitchFamily="49" charset="0"/>
+                </a:rPr>
+                <a:t>id_map</a:t>
+              </a:r>
+              <a:r>
+                <a:rPr lang="en-US" sz="1200" b="1" dirty="0">
+                  <a:latin typeface="+mj-lt"/>
+                  <a:cs typeface="Courier New" panose="02070309020205020404" pitchFamily="49" charset="0"/>
+                </a:rPr>
+                <a:t>[</a:t>
+              </a:r>
+              <a:r>
+                <a:rPr lang="en-US" sz="1200" b="1" dirty="0" err="1">
+                  <a:latin typeface="+mj-lt"/>
+                  <a:cs typeface="Courier New" panose="02070309020205020404" pitchFamily="49" charset="0"/>
+                </a:rPr>
+                <a:t>data_id</a:t>
+              </a:r>
+              <a:r>
+                <a:rPr lang="en-US" sz="1200" b="1" dirty="0">
+                  <a:latin typeface="+mj-lt"/>
+                  <a:cs typeface="Courier New" panose="02070309020205020404" pitchFamily="49" charset="0"/>
+                </a:rPr>
+                <a:t>]</a:t>
+              </a:r>
+            </a:p>
+            <a:p>
+              <a:r>
+                <a:rPr lang="en-US" sz="1200" b="1" dirty="0">
+                  <a:latin typeface="+mj-lt"/>
+                  <a:cs typeface="Courier New" panose="02070309020205020404" pitchFamily="49" charset="0"/>
+                </a:rPr>
+                <a:t>    if( p != NULL) {</a:t>
+              </a:r>
+              <a:endParaRPr lang="en-US" sz="1200" b="1" dirty="0">
+                <a:solidFill>
+                  <a:schemeClr val="dk1"/>
+                </a:solidFill>
+                <a:latin typeface="+mj-lt"/>
+                <a:cs typeface="Courier New" panose="02070309020205020404" pitchFamily="49" charset="0"/>
+              </a:endParaRPr>
+            </a:p>
+            <a:p>
+              <a:r>
+                <a:rPr lang="en-US" sz="1200" b="1" dirty="0">
+                  <a:latin typeface="+mj-lt"/>
+                  <a:cs typeface="Courier New" panose="02070309020205020404" pitchFamily="49" charset="0"/>
+                </a:rPr>
+                <a:t>        </a:t>
+              </a:r>
+              <a:r>
+                <a:rPr lang="en-US" sz="1200" b="1" dirty="0" err="1">
+                  <a:latin typeface="+mj-lt"/>
+                  <a:cs typeface="Courier New" panose="02070309020205020404" pitchFamily="49" charset="0"/>
+                </a:rPr>
+                <a:t>opj_free_image</a:t>
+              </a:r>
+              <a:r>
+                <a:rPr lang="en-US" sz="1200" b="1" dirty="0">
+                  <a:latin typeface="+mj-lt"/>
+                  <a:cs typeface="Courier New" panose="02070309020205020404" pitchFamily="49" charset="0"/>
+                </a:rPr>
+                <a:t>(p)</a:t>
+              </a:r>
+            </a:p>
+            <a:p>
+              <a:r>
+                <a:rPr lang="en-US" sz="1200" b="1" dirty="0">
+                  <a:latin typeface="+mj-lt"/>
+                  <a:cs typeface="Courier New" panose="02070309020205020404" pitchFamily="49" charset="0"/>
+                </a:rPr>
+                <a:t>        </a:t>
+              </a:r>
+              <a:r>
+                <a:rPr lang="en-US" sz="1200" b="1" dirty="0" err="1">
+                  <a:latin typeface="+mj-lt"/>
+                  <a:cs typeface="Courier New" panose="02070309020205020404" pitchFamily="49" charset="0"/>
+                </a:rPr>
+                <a:t>id_map</a:t>
+              </a:r>
+              <a:r>
+                <a:rPr lang="en-US" sz="1200" b="1" dirty="0">
+                  <a:latin typeface="+mj-lt"/>
+                  <a:cs typeface="Courier New" panose="02070309020205020404" pitchFamily="49" charset="0"/>
+                </a:rPr>
+                <a:t>[</a:t>
+              </a:r>
+              <a:r>
+                <a:rPr lang="en-US" sz="1200" b="1" dirty="0" err="1">
+                  <a:latin typeface="+mj-lt"/>
+                  <a:cs typeface="Courier New" panose="02070309020205020404" pitchFamily="49" charset="0"/>
+                </a:rPr>
+                <a:t>data_id</a:t>
+              </a:r>
+              <a:r>
+                <a:rPr lang="en-US" sz="1200" b="1" dirty="0">
+                  <a:latin typeface="+mj-lt"/>
+                  <a:cs typeface="Courier New" panose="02070309020205020404" pitchFamily="49" charset="0"/>
+                </a:rPr>
+                <a:t>] = NULL</a:t>
+              </a:r>
+            </a:p>
+            <a:p>
+              <a:r>
+                <a:rPr lang="en-US" sz="1200" b="1" dirty="0">
+                  <a:solidFill>
+                    <a:schemeClr val="dk1"/>
+                  </a:solidFill>
+                  <a:latin typeface="+mj-lt"/>
+                  <a:cs typeface="Courier New" panose="02070309020205020404" pitchFamily="49" charset="0"/>
+                </a:rPr>
+                <a:t>    }</a:t>
+              </a:r>
+            </a:p>
+            <a:p>
+              <a:r>
+                <a:rPr lang="en-US" sz="1200" b="1" dirty="0">
+                  <a:solidFill>
+                    <a:schemeClr val="dk1"/>
+                  </a:solidFill>
+                  <a:latin typeface="+mj-lt"/>
+                  <a:cs typeface="Courier New" panose="02070309020205020404" pitchFamily="49" charset="0"/>
+                </a:rPr>
+                <a:t>}</a:t>
+              </a:r>
+            </a:p>
+          </p:txBody>
+        </p:sp>
+      </p:grpSp>
+      <p:sp>
+        <p:nvSpPr>
+          <p:cNvPr id="79" name="TextBox 78">
+            <a:extLst>
+              <a:ext uri="{FF2B5EF4-FFF2-40B4-BE49-F238E27FC236}">
+                <a16:creationId xmlns:a16="http://schemas.microsoft.com/office/drawing/2014/main" id="{4EEB5405-6EE9-BC42-A61B-D9ECC7322AA0}"/>
+              </a:ext>
+            </a:extLst>
+          </p:cNvPr>
+          <p:cNvSpPr txBox="1"/>
+          <p:nvPr/>
+        </p:nvSpPr>
+        <p:spPr>
+          <a:xfrm>
+            <a:off x="8937331" y="1886164"/>
+            <a:ext cx="1845057" cy="523220"/>
+          </a:xfrm>
+          <a:prstGeom prst="rect">
+            <a:avLst/>
+          </a:prstGeom>
+          <a:solidFill>
+            <a:schemeClr val="accent4">
+              <a:lumMod val="20000"/>
+              <a:lumOff val="80000"/>
+            </a:schemeClr>
+          </a:solidFill>
+          <a:ln w="28575">
+            <a:solidFill>
+              <a:schemeClr val="accent4">
+                <a:lumMod val="60000"/>
+                <a:lumOff val="40000"/>
+              </a:schemeClr>
+            </a:solidFill>
+          </a:ln>
+        </p:spPr>
+        <p:txBody>
+          <a:bodyPr wrap="none" rtlCol="0">
+            <a:spAutoFit/>
+          </a:bodyPr>
+          <a:lstStyle/>
+          <a:p>
+            <a:r>
+              <a:rPr lang="en-US" sz="1400" i="1" dirty="0"/>
+              <a:t>Conceptual Demo Only</a:t>
+            </a:r>
+          </a:p>
+          <a:p>
+            <a:r>
+              <a:rPr lang="en-US" sz="1400" i="1" dirty="0"/>
+              <a:t>Not actual code.</a:t>
+            </a:r>
+          </a:p>
+        </p:txBody>
+      </p:sp>
+      <p:cxnSp>
+        <p:nvCxnSpPr>
+          <p:cNvPr id="81" name="Curved Connector 80">
+            <a:extLst>
+              <a:ext uri="{FF2B5EF4-FFF2-40B4-BE49-F238E27FC236}">
+                <a16:creationId xmlns:a16="http://schemas.microsoft.com/office/drawing/2014/main" id="{0991BFA6-1D2C-284A-B82F-007EA3F06058}"/>
+              </a:ext>
+            </a:extLst>
+          </p:cNvPr>
+          <p:cNvCxnSpPr>
+            <a:cxnSpLocks/>
+            <a:endCxn id="26" idx="1"/>
+          </p:cNvCxnSpPr>
+          <p:nvPr/>
+        </p:nvCxnSpPr>
+        <p:spPr>
+          <a:xfrm>
+            <a:off x="3550076" y="2244540"/>
+            <a:ext cx="2027376" cy="1705493"/>
+          </a:xfrm>
+          <a:prstGeom prst="curvedConnector3">
+            <a:avLst>
+              <a:gd name="adj1" fmla="val 64408"/>
+            </a:avLst>
+          </a:prstGeom>
+          <a:ln w="76200">
+            <a:solidFill>
+              <a:schemeClr val="accent4"/>
+            </a:solidFill>
+            <a:headEnd type="none"/>
+            <a:tailEnd type="triangle" w="med" len="med"/>
+          </a:ln>
+        </p:spPr>
+        <p:style>
+          <a:lnRef idx="2">
+            <a:schemeClr val="accent4"/>
+          </a:lnRef>
+          <a:fillRef idx="0">
+            <a:schemeClr val="accent4"/>
+          </a:fillRef>
+          <a:effectRef idx="1">
+            <a:schemeClr val="accent4"/>
+          </a:effectRef>
+          <a:fontRef idx="minor">
+            <a:schemeClr val="tx1"/>
+          </a:fontRef>
+        </p:style>
+      </p:cxnSp>
+      <p:cxnSp>
+        <p:nvCxnSpPr>
+          <p:cNvPr id="82" name="Curved Connector 81">
+            <a:extLst>
+              <a:ext uri="{FF2B5EF4-FFF2-40B4-BE49-F238E27FC236}">
+                <a16:creationId xmlns:a16="http://schemas.microsoft.com/office/drawing/2014/main" id="{875B65AB-0A97-D34F-A6E2-43061069B199}"/>
+              </a:ext>
+            </a:extLst>
+          </p:cNvPr>
+          <p:cNvCxnSpPr>
+            <a:cxnSpLocks/>
+            <a:endCxn id="40" idx="1"/>
+          </p:cNvCxnSpPr>
+          <p:nvPr/>
+        </p:nvCxnSpPr>
+        <p:spPr>
+          <a:xfrm>
+            <a:off x="7569200" y="3791818"/>
+            <a:ext cx="1481879" cy="288854"/>
+          </a:xfrm>
+          <a:prstGeom prst="curvedConnector3">
+            <a:avLst>
+              <a:gd name="adj1" fmla="val 39716"/>
+            </a:avLst>
+          </a:prstGeom>
+          <a:ln w="76200">
+            <a:solidFill>
+              <a:schemeClr val="accent4"/>
+            </a:solidFill>
+            <a:headEnd type="none"/>
+            <a:tailEnd type="triangle" w="med" len="med"/>
+          </a:ln>
+        </p:spPr>
+        <p:style>
+          <a:lnRef idx="2">
+            <a:schemeClr val="accent4"/>
+          </a:lnRef>
+          <a:fillRef idx="0">
+            <a:schemeClr val="accent4"/>
+          </a:fillRef>
+          <a:effectRef idx="1">
+            <a:schemeClr val="accent4"/>
+          </a:effectRef>
+          <a:fontRef idx="minor">
+            <a:schemeClr val="tx1"/>
+          </a:fontRef>
+        </p:style>
+      </p:cxnSp>
+      <p:cxnSp>
+        <p:nvCxnSpPr>
+          <p:cNvPr id="86" name="Curved Connector 85">
+            <a:extLst>
+              <a:ext uri="{FF2B5EF4-FFF2-40B4-BE49-F238E27FC236}">
+                <a16:creationId xmlns:a16="http://schemas.microsoft.com/office/drawing/2014/main" id="{0E6D562E-D67F-3043-A683-5A656F7D1CA6}"/>
+              </a:ext>
+            </a:extLst>
+          </p:cNvPr>
+          <p:cNvCxnSpPr>
+            <a:cxnSpLocks/>
+            <a:endCxn id="71" idx="3"/>
+          </p:cNvCxnSpPr>
+          <p:nvPr/>
+        </p:nvCxnSpPr>
+        <p:spPr>
+          <a:xfrm rot="5400000" flipH="1" flipV="1">
+            <a:off x="6536553" y="3289422"/>
+            <a:ext cx="1198761" cy="580205"/>
+          </a:xfrm>
+          <a:prstGeom prst="curvedConnector4">
+            <a:avLst>
+              <a:gd name="adj1" fmla="val -5346"/>
+              <a:gd name="adj2" fmla="val 202878"/>
+            </a:avLst>
+          </a:prstGeom>
+          <a:ln w="50800">
+            <a:solidFill>
+              <a:schemeClr val="accent4"/>
+            </a:solidFill>
+            <a:prstDash val="sysDash"/>
+            <a:headEnd type="none"/>
+            <a:tailEnd type="triangle" w="med" len="med"/>
+          </a:ln>
+        </p:spPr>
+        <p:style>
+          <a:lnRef idx="2">
+            <a:schemeClr val="accent4"/>
+          </a:lnRef>
+          <a:fillRef idx="0">
+            <a:schemeClr val="accent4"/>
+          </a:fillRef>
+          <a:effectRef idx="1">
+            <a:schemeClr val="accent4"/>
+          </a:effectRef>
+          <a:fontRef idx="minor">
+            <a:schemeClr val="tx1"/>
+          </a:fontRef>
+        </p:style>
+      </p:cxnSp>
+      <p:cxnSp>
+        <p:nvCxnSpPr>
+          <p:cNvPr id="117" name="Curved Connector 116">
+            <a:extLst>
+              <a:ext uri="{FF2B5EF4-FFF2-40B4-BE49-F238E27FC236}">
+                <a16:creationId xmlns:a16="http://schemas.microsoft.com/office/drawing/2014/main" id="{A41251EE-86C7-384B-831C-8FBA84C4664E}"/>
+              </a:ext>
+            </a:extLst>
+          </p:cNvPr>
+          <p:cNvCxnSpPr>
+            <a:cxnSpLocks/>
+            <a:stCxn id="171" idx="3"/>
+            <a:endCxn id="5" idx="0"/>
+          </p:cNvCxnSpPr>
+          <p:nvPr/>
+        </p:nvCxnSpPr>
+        <p:spPr>
+          <a:xfrm flipH="1">
+            <a:off x="3121534" y="2453088"/>
+            <a:ext cx="1007074" cy="1467241"/>
+          </a:xfrm>
+          <a:prstGeom prst="curvedConnector4">
+            <a:avLst>
+              <a:gd name="adj1" fmla="val -45398"/>
+              <a:gd name="adj2" fmla="val 76540"/>
+            </a:avLst>
+          </a:prstGeom>
+          <a:ln w="50800">
+            <a:solidFill>
+              <a:schemeClr val="accent4"/>
+            </a:solidFill>
+            <a:prstDash val="sysDash"/>
+            <a:headEnd type="none"/>
+            <a:tailEnd type="triangle" w="med" len="med"/>
+          </a:ln>
+        </p:spPr>
+        <p:style>
+          <a:lnRef idx="2">
+            <a:schemeClr val="accent4"/>
+          </a:lnRef>
+          <a:fillRef idx="0">
+            <a:schemeClr val="accent4"/>
+          </a:fillRef>
+          <a:effectRef idx="1">
+            <a:schemeClr val="accent4"/>
+          </a:effectRef>
+          <a:fontRef idx="minor">
+            <a:schemeClr val="tx1"/>
+          </a:fontRef>
+        </p:style>
+      </p:cxnSp>
+      <p:cxnSp>
+        <p:nvCxnSpPr>
+          <p:cNvPr id="132" name="Curved Connector 131">
+            <a:extLst>
+              <a:ext uri="{FF2B5EF4-FFF2-40B4-BE49-F238E27FC236}">
+                <a16:creationId xmlns:a16="http://schemas.microsoft.com/office/drawing/2014/main" id="{B4474A19-50A0-B64D-A4C4-67B2CBC904A0}"/>
+              </a:ext>
+            </a:extLst>
+          </p:cNvPr>
+          <p:cNvCxnSpPr>
+            <a:cxnSpLocks/>
+            <a:endCxn id="77" idx="1"/>
+          </p:cNvCxnSpPr>
+          <p:nvPr/>
+        </p:nvCxnSpPr>
+        <p:spPr>
+          <a:xfrm rot="16200000" flipV="1">
+            <a:off x="1154313" y="3929860"/>
+            <a:ext cx="2425886" cy="399100"/>
+          </a:xfrm>
+          <a:prstGeom prst="curvedConnector4">
+            <a:avLst>
+              <a:gd name="adj1" fmla="val -734"/>
+              <a:gd name="adj2" fmla="val 281383"/>
+            </a:avLst>
+          </a:prstGeom>
+          <a:ln w="76200">
+            <a:solidFill>
+              <a:schemeClr val="accent2">
+                <a:lumMod val="75000"/>
+              </a:schemeClr>
+            </a:solidFill>
+            <a:headEnd type="none"/>
+            <a:tailEnd type="triangle" w="med" len="med"/>
+          </a:ln>
+        </p:spPr>
+        <p:style>
+          <a:lnRef idx="2">
+            <a:schemeClr val="accent4"/>
+          </a:lnRef>
+          <a:fillRef idx="0">
+            <a:schemeClr val="accent4"/>
+          </a:fillRef>
+          <a:effectRef idx="1">
+            <a:schemeClr val="accent4"/>
+          </a:effectRef>
+          <a:fontRef idx="minor">
+            <a:schemeClr val="tx1"/>
+          </a:fontRef>
+        </p:style>
+      </p:cxnSp>
+      <p:cxnSp>
+        <p:nvCxnSpPr>
+          <p:cNvPr id="142" name="Curved Connector 141">
+            <a:extLst>
+              <a:ext uri="{FF2B5EF4-FFF2-40B4-BE49-F238E27FC236}">
+                <a16:creationId xmlns:a16="http://schemas.microsoft.com/office/drawing/2014/main" id="{FD444F20-5951-6A47-A138-DF13A59967DB}"/>
+              </a:ext>
+            </a:extLst>
+          </p:cNvPr>
+          <p:cNvCxnSpPr>
+            <a:cxnSpLocks/>
+            <a:stCxn id="77" idx="3"/>
+            <a:endCxn id="76" idx="1"/>
+          </p:cNvCxnSpPr>
+          <p:nvPr/>
+        </p:nvCxnSpPr>
+        <p:spPr>
+          <a:xfrm>
+            <a:off x="4229194" y="2916467"/>
+            <a:ext cx="1348258" cy="2606918"/>
+          </a:xfrm>
+          <a:prstGeom prst="curvedConnector3">
+            <a:avLst>
+              <a:gd name="adj1" fmla="val 50000"/>
+            </a:avLst>
+          </a:prstGeom>
+          <a:ln w="76200">
+            <a:solidFill>
+              <a:schemeClr val="accent2">
+                <a:lumMod val="75000"/>
+              </a:schemeClr>
+            </a:solidFill>
+            <a:headEnd type="none"/>
+            <a:tailEnd type="triangle" w="med" len="med"/>
+          </a:ln>
+        </p:spPr>
+        <p:style>
+          <a:lnRef idx="2">
+            <a:schemeClr val="accent4"/>
+          </a:lnRef>
+          <a:fillRef idx="0">
+            <a:schemeClr val="accent4"/>
+          </a:fillRef>
+          <a:effectRef idx="1">
+            <a:schemeClr val="accent4"/>
+          </a:effectRef>
+          <a:fontRef idx="minor">
+            <a:schemeClr val="tx1"/>
+          </a:fontRef>
+        </p:style>
+      </p:cxnSp>
+      <p:sp>
+        <p:nvSpPr>
+          <p:cNvPr id="160" name="Rectangle 159">
+            <a:extLst>
+              <a:ext uri="{FF2B5EF4-FFF2-40B4-BE49-F238E27FC236}">
+                <a16:creationId xmlns:a16="http://schemas.microsoft.com/office/drawing/2014/main" id="{E967B6E0-43CD-3743-9C12-CDEEBA169FC6}"/>
+              </a:ext>
+            </a:extLst>
+          </p:cNvPr>
+          <p:cNvSpPr/>
+          <p:nvPr/>
+        </p:nvSpPr>
+        <p:spPr>
+          <a:xfrm>
+            <a:off x="7366000" y="5691329"/>
+            <a:ext cx="203200" cy="191596"/>
+          </a:xfrm>
+          <a:prstGeom prst="rect">
+            <a:avLst/>
+          </a:prstGeom>
+          <a:noFill/>
+          <a:ln>
+            <a:noFill/>
+          </a:ln>
+        </p:spPr>
+        <p:style>
+          <a:lnRef idx="2">
+            <a:schemeClr val="accent1">
+              <a:shade val="50000"/>
+            </a:schemeClr>
+          </a:lnRef>
+          <a:fillRef idx="1">
+            <a:schemeClr val="accent1"/>
+          </a:fillRef>
+          <a:effectRef idx="0">
+            <a:schemeClr val="accent1"/>
+          </a:effectRef>
+          <a:fontRef idx="minor">
+            <a:schemeClr val="lt1"/>
+          </a:fontRef>
+        </p:style>
+        <p:txBody>
+          <a:bodyPr rtlCol="0" anchor="ctr"/>
+          <a:lstStyle/>
+          <a:p>
+            <a:pPr algn="ctr"/>
+            <a:endParaRPr lang="en-US"/>
+          </a:p>
+        </p:txBody>
+      </p:sp>
+      <p:cxnSp>
+        <p:nvCxnSpPr>
+          <p:cNvPr id="161" name="Curved Connector 160">
+            <a:extLst>
+              <a:ext uri="{FF2B5EF4-FFF2-40B4-BE49-F238E27FC236}">
+                <a16:creationId xmlns:a16="http://schemas.microsoft.com/office/drawing/2014/main" id="{E8CB80CF-47AD-F240-8AAD-14D14ED9FC0F}"/>
+              </a:ext>
+            </a:extLst>
+          </p:cNvPr>
+          <p:cNvCxnSpPr>
+            <a:cxnSpLocks/>
+            <a:stCxn id="160" idx="3"/>
+            <a:endCxn id="68" idx="3"/>
+          </p:cNvCxnSpPr>
+          <p:nvPr/>
+        </p:nvCxnSpPr>
+        <p:spPr>
+          <a:xfrm flipH="1" flipV="1">
+            <a:off x="7426036" y="2490627"/>
+            <a:ext cx="143164" cy="3296500"/>
+          </a:xfrm>
+          <a:prstGeom prst="curvedConnector3">
+            <a:avLst>
+              <a:gd name="adj1" fmla="val -718546"/>
+            </a:avLst>
+          </a:prstGeom>
+          <a:ln w="50800">
+            <a:solidFill>
+              <a:schemeClr val="accent2">
+                <a:lumMod val="75000"/>
+              </a:schemeClr>
+            </a:solidFill>
+            <a:prstDash val="sysDash"/>
+            <a:headEnd type="none"/>
+            <a:tailEnd type="triangle" w="med" len="med"/>
+          </a:ln>
+        </p:spPr>
+        <p:style>
+          <a:lnRef idx="2">
+            <a:schemeClr val="accent4"/>
+          </a:lnRef>
+          <a:fillRef idx="0">
+            <a:schemeClr val="accent4"/>
+          </a:fillRef>
+          <a:effectRef idx="1">
+            <a:schemeClr val="accent4"/>
+          </a:effectRef>
+          <a:fontRef idx="minor">
+            <a:schemeClr val="tx1"/>
+          </a:fontRef>
+        </p:style>
+      </p:cxnSp>
+      <p:cxnSp>
+        <p:nvCxnSpPr>
+          <p:cNvPr id="168" name="Curved Connector 167">
+            <a:extLst>
+              <a:ext uri="{FF2B5EF4-FFF2-40B4-BE49-F238E27FC236}">
+                <a16:creationId xmlns:a16="http://schemas.microsoft.com/office/drawing/2014/main" id="{43362346-F1B5-F348-BFCA-0516A3893F01}"/>
+              </a:ext>
+            </a:extLst>
+          </p:cNvPr>
+          <p:cNvCxnSpPr>
+            <a:cxnSpLocks/>
+            <a:endCxn id="41" idx="1"/>
+          </p:cNvCxnSpPr>
+          <p:nvPr/>
+        </p:nvCxnSpPr>
+        <p:spPr>
+          <a:xfrm flipV="1">
+            <a:off x="7323409" y="4977911"/>
+            <a:ext cx="1727669" cy="606539"/>
+          </a:xfrm>
+          <a:prstGeom prst="curvedConnector3">
+            <a:avLst>
+              <a:gd name="adj1" fmla="val 39709"/>
+            </a:avLst>
+          </a:prstGeom>
+          <a:ln w="76200">
+            <a:solidFill>
+              <a:schemeClr val="accent2">
+                <a:lumMod val="75000"/>
+              </a:schemeClr>
+            </a:solidFill>
+            <a:headEnd type="none"/>
+            <a:tailEnd type="triangle" w="med" len="med"/>
+          </a:ln>
+        </p:spPr>
+        <p:style>
+          <a:lnRef idx="2">
+            <a:schemeClr val="accent4"/>
+          </a:lnRef>
+          <a:fillRef idx="0">
+            <a:schemeClr val="accent4"/>
+          </a:fillRef>
+          <a:effectRef idx="1">
+            <a:schemeClr val="accent4"/>
+          </a:effectRef>
+          <a:fontRef idx="minor">
+            <a:schemeClr val="tx1"/>
+          </a:fontRef>
+        </p:style>
+      </p:cxnSp>
+      <p:sp>
+        <p:nvSpPr>
+          <p:cNvPr id="171" name="Rectangle 170">
+            <a:extLst>
+              <a:ext uri="{FF2B5EF4-FFF2-40B4-BE49-F238E27FC236}">
+                <a16:creationId xmlns:a16="http://schemas.microsoft.com/office/drawing/2014/main" id="{A2BAF044-342A-4347-B34D-78943C50F799}"/>
+              </a:ext>
+            </a:extLst>
+          </p:cNvPr>
+          <p:cNvSpPr/>
+          <p:nvPr/>
+        </p:nvSpPr>
+        <p:spPr>
+          <a:xfrm>
+            <a:off x="3945498" y="2334673"/>
+            <a:ext cx="183110" cy="236830"/>
+          </a:xfrm>
+          <a:prstGeom prst="rect">
+            <a:avLst/>
+          </a:prstGeom>
+          <a:noFill/>
+          <a:ln>
+            <a:noFill/>
+          </a:ln>
+        </p:spPr>
+        <p:style>
+          <a:lnRef idx="2">
+            <a:schemeClr val="accent1">
+              <a:shade val="50000"/>
+            </a:schemeClr>
+          </a:lnRef>
+          <a:fillRef idx="1">
+            <a:schemeClr val="accent1"/>
+          </a:fillRef>
+          <a:effectRef idx="0">
+            <a:schemeClr val="accent1"/>
+          </a:effectRef>
+          <a:fontRef idx="minor">
+            <a:schemeClr val="lt1"/>
+          </a:fontRef>
+        </p:style>
+        <p:txBody>
+          <a:bodyPr rtlCol="0" anchor="ctr"/>
+          <a:lstStyle/>
+          <a:p>
+            <a:pPr algn="ctr"/>
+            <a:endParaRPr lang="en-US"/>
+          </a:p>
+        </p:txBody>
+      </p:sp>
+      <p:cxnSp>
+        <p:nvCxnSpPr>
+          <p:cNvPr id="187" name="Straight Connector 186">
+            <a:extLst>
+              <a:ext uri="{FF2B5EF4-FFF2-40B4-BE49-F238E27FC236}">
+                <a16:creationId xmlns:a16="http://schemas.microsoft.com/office/drawing/2014/main" id="{9AF495B7-2DB5-A749-891B-D38CD363A281}"/>
+              </a:ext>
+            </a:extLst>
+          </p:cNvPr>
+          <p:cNvCxnSpPr>
+            <a:cxnSpLocks/>
+          </p:cNvCxnSpPr>
+          <p:nvPr/>
+        </p:nvCxnSpPr>
+        <p:spPr>
+          <a:xfrm>
+            <a:off x="4762846" y="1054100"/>
+            <a:ext cx="20548" cy="5394088"/>
+          </a:xfrm>
+          <a:prstGeom prst="line">
+            <a:avLst/>
+          </a:prstGeom>
+          <a:ln w="12700">
+            <a:solidFill>
+              <a:schemeClr val="tx1"/>
+            </a:solidFill>
+            <a:prstDash val="dash"/>
+          </a:ln>
+        </p:spPr>
+        <p:style>
+          <a:lnRef idx="1">
+            <a:schemeClr val="accent1"/>
+          </a:lnRef>
+          <a:fillRef idx="0">
+            <a:schemeClr val="accent1"/>
+          </a:fillRef>
+          <a:effectRef idx="0">
+            <a:schemeClr val="accent1"/>
+          </a:effectRef>
+          <a:fontRef idx="minor">
+            <a:schemeClr val="tx1"/>
+          </a:fontRef>
+        </p:style>
+      </p:cxnSp>
+      <p:sp>
+        <p:nvSpPr>
+          <p:cNvPr id="189" name="TextBox 188">
+            <a:extLst>
+              <a:ext uri="{FF2B5EF4-FFF2-40B4-BE49-F238E27FC236}">
+                <a16:creationId xmlns:a16="http://schemas.microsoft.com/office/drawing/2014/main" id="{681740DA-065D-434C-9FF2-97946BC8736F}"/>
+              </a:ext>
+            </a:extLst>
+          </p:cNvPr>
+          <p:cNvSpPr txBox="1"/>
+          <p:nvPr/>
+        </p:nvSpPr>
+        <p:spPr>
+          <a:xfrm>
+            <a:off x="3842921" y="939951"/>
+            <a:ext cx="852413" cy="369332"/>
+          </a:xfrm>
+          <a:prstGeom prst="rect">
+            <a:avLst/>
+          </a:prstGeom>
+          <a:noFill/>
+        </p:spPr>
+        <p:txBody>
+          <a:bodyPr wrap="none" rtlCol="0">
+            <a:spAutoFit/>
+          </a:bodyPr>
+          <a:lstStyle/>
+          <a:p>
+            <a:r>
+              <a:rPr lang="en-US" dirty="0"/>
+              <a:t>Python</a:t>
+            </a:r>
+          </a:p>
+        </p:txBody>
+      </p:sp>
+      <p:sp>
+        <p:nvSpPr>
+          <p:cNvPr id="190" name="TextBox 189">
+            <a:extLst>
+              <a:ext uri="{FF2B5EF4-FFF2-40B4-BE49-F238E27FC236}">
+                <a16:creationId xmlns:a16="http://schemas.microsoft.com/office/drawing/2014/main" id="{2C5E997A-2B0C-BC46-8D44-45E31DF39750}"/>
+              </a:ext>
+            </a:extLst>
+          </p:cNvPr>
+          <p:cNvSpPr txBox="1"/>
+          <p:nvPr/>
+        </p:nvSpPr>
+        <p:spPr>
+          <a:xfrm>
+            <a:off x="4817270" y="928449"/>
+            <a:ext cx="308098" cy="369332"/>
+          </a:xfrm>
+          <a:prstGeom prst="rect">
+            <a:avLst/>
+          </a:prstGeom>
+          <a:noFill/>
+        </p:spPr>
+        <p:txBody>
+          <a:bodyPr wrap="none" rtlCol="0">
+            <a:spAutoFit/>
+          </a:bodyPr>
+          <a:lstStyle/>
+          <a:p>
+            <a:r>
+              <a:rPr lang="en-US" dirty="0"/>
+              <a:t>C</a:t>
+            </a:r>
+          </a:p>
+        </p:txBody>
+      </p:sp>
+      <p:cxnSp>
+        <p:nvCxnSpPr>
+          <p:cNvPr id="192" name="Straight Arrow Connector 191">
+            <a:extLst>
+              <a:ext uri="{FF2B5EF4-FFF2-40B4-BE49-F238E27FC236}">
+                <a16:creationId xmlns:a16="http://schemas.microsoft.com/office/drawing/2014/main" id="{E4C74B9A-0A97-F843-AB05-C2D9BAFC3D86}"/>
+              </a:ext>
+            </a:extLst>
+          </p:cNvPr>
+          <p:cNvCxnSpPr>
+            <a:stCxn id="190" idx="3"/>
+          </p:cNvCxnSpPr>
+          <p:nvPr/>
+        </p:nvCxnSpPr>
+        <p:spPr>
+          <a:xfrm>
+            <a:off x="5125368" y="1113115"/>
+            <a:ext cx="679527" cy="0"/>
+          </a:xfrm>
+          <a:prstGeom prst="straightConnector1">
+            <a:avLst/>
+          </a:prstGeom>
+          <a:ln w="12700">
+            <a:solidFill>
+              <a:schemeClr val="tx1"/>
+            </a:solidFill>
+            <a:tailEnd type="triangle"/>
+          </a:ln>
+        </p:spPr>
+        <p:style>
+          <a:lnRef idx="1">
+            <a:schemeClr val="accent1"/>
+          </a:lnRef>
+          <a:fillRef idx="0">
+            <a:schemeClr val="accent1"/>
+          </a:fillRef>
+          <a:effectRef idx="0">
+            <a:schemeClr val="accent1"/>
+          </a:effectRef>
+          <a:fontRef idx="minor">
+            <a:schemeClr val="tx1"/>
+          </a:fontRef>
+        </p:style>
+      </p:cxnSp>
+      <p:cxnSp>
+        <p:nvCxnSpPr>
+          <p:cNvPr id="194" name="Straight Arrow Connector 193">
+            <a:extLst>
+              <a:ext uri="{FF2B5EF4-FFF2-40B4-BE49-F238E27FC236}">
+                <a16:creationId xmlns:a16="http://schemas.microsoft.com/office/drawing/2014/main" id="{8933E2BE-1FDD-B046-A2DB-3B3154E2189F}"/>
+              </a:ext>
+            </a:extLst>
+          </p:cNvPr>
+          <p:cNvCxnSpPr>
+            <a:stCxn id="189" idx="1"/>
+          </p:cNvCxnSpPr>
+          <p:nvPr/>
+        </p:nvCxnSpPr>
+        <p:spPr>
+          <a:xfrm flipH="1">
+            <a:off x="3340100" y="1124617"/>
+            <a:ext cx="502821" cy="0"/>
+          </a:xfrm>
+          <a:prstGeom prst="straightConnector1">
+            <a:avLst/>
+          </a:prstGeom>
+          <a:ln w="12700">
+            <a:solidFill>
+              <a:schemeClr val="tx1"/>
+            </a:solidFill>
+            <a:tailEnd type="triangle"/>
+          </a:ln>
+        </p:spPr>
+        <p:style>
+          <a:lnRef idx="1">
+            <a:schemeClr val="accent1"/>
+          </a:lnRef>
+          <a:fillRef idx="0">
+            <a:schemeClr val="accent1"/>
+          </a:fillRef>
+          <a:effectRef idx="0">
+            <a:schemeClr val="accent1"/>
+          </a:effectRef>
+          <a:fontRef idx="minor">
+            <a:schemeClr val="tx1"/>
+          </a:fontRef>
+        </p:style>
+      </p:cxnSp>
+    </p:spTree>
+    <p:extLst>
+      <p:ext uri="{BB962C8B-B14F-4D97-AF65-F5344CB8AC3E}">
+        <p14:creationId xmlns:p14="http://schemas.microsoft.com/office/powerpoint/2010/main" val="1508030806"/>
+      </p:ext>
+    </p:extLst>
+  </p:cSld>
+  <p:clrMapOvr>
+    <a:masterClrMapping/>
+  </p:clrMapOvr>
+</p:sld>
+</file>
+
+<file path=ppt/slides/slide4.xml><?xml version="1.0" encoding="utf-8"?>
+<p:sld xmlns:a="http://schemas.openxmlformats.org/drawingml/2006/main" xmlns:r="http://schemas.openxmlformats.org/officeDocument/2006/relationships" xmlns:p="http://schemas.openxmlformats.org/presentationml/2006/main">
+  <p:cSld>
+    <p:spTree>
+      <p:nvGrpSpPr>
+        <p:cNvPr id="1" name=""/>
+        <p:cNvGrpSpPr/>
+        <p:nvPr/>
+      </p:nvGrpSpPr>
+      <p:grpSpPr>
+        <a:xfrm>
+          <a:off x="0" y="0"/>
+          <a:ext cx="0" cy="0"/>
+          <a:chOff x="0" y="0"/>
+          <a:chExt cx="0" cy="0"/>
+        </a:xfrm>
+      </p:grpSpPr>
       <p:grpSp>
         <p:nvGrpSpPr>
           <p:cNvPr id="89" name="Group 88">
@@ -7472,24 +10668,17 @@
             <a:prstGeom prst="roundRect">
               <a:avLst/>
             </a:prstGeom>
-            <a:ln>
-              <a:solidFill>
-                <a:schemeClr val="accent5">
-                  <a:lumMod val="50000"/>
-                </a:schemeClr>
-              </a:solidFill>
-              <a:prstDash val="solid"/>
-            </a:ln>
+            <a:ln/>
           </p:spPr>
           <p:style>
             <a:lnRef idx="1">
-              <a:schemeClr val="accent5"/>
+              <a:schemeClr val="accent3"/>
             </a:lnRef>
             <a:fillRef idx="2">
-              <a:schemeClr val="accent5"/>
+              <a:schemeClr val="accent3"/>
             </a:fillRef>
             <a:effectRef idx="1">
-              <a:schemeClr val="accent5"/>
+              <a:schemeClr val="accent3"/>
             </a:effectRef>
             <a:fontRef idx="minor">
               <a:schemeClr val="dk1"/>
@@ -9661,7 +12850,7 @@
 </p:sld>
 </file>
 
-<file path=ppt/slides/slide4.xml><?xml version="1.0" encoding="utf-8"?>
+<file path=ppt/slides/slide5.xml><?xml version="1.0" encoding="utf-8"?>
 <p:sld xmlns:a="http://schemas.openxmlformats.org/drawingml/2006/main" xmlns:r="http://schemas.openxmlformats.org/officeDocument/2006/relationships" xmlns:p="http://schemas.openxmlformats.org/presentationml/2006/main">
   <p:cSld>
     <p:spTree>
@@ -13720,7 +16909,7 @@
 </p:sld>
 </file>
 
-<file path=ppt/slides/slide5.xml><?xml version="1.0" encoding="utf-8"?>
+<file path=ppt/slides/slide6.xml><?xml version="1.0" encoding="utf-8"?>
 <p:sld xmlns:a="http://schemas.openxmlformats.org/drawingml/2006/main" xmlns:r="http://schemas.openxmlformats.org/officeDocument/2006/relationships" xmlns:p="http://schemas.openxmlformats.org/presentationml/2006/main">
   <p:cSld>
     <p:spTree>
@@ -18008,7 +21197,7 @@
 </p:sld>
 </file>
 
-<file path=ppt/slides/slide6.xml><?xml version="1.0" encoding="utf-8"?>
+<file path=ppt/slides/slide7.xml><?xml version="1.0" encoding="utf-8"?>
 <p:sld xmlns:a="http://schemas.openxmlformats.org/drawingml/2006/main" xmlns:r="http://schemas.openxmlformats.org/officeDocument/2006/relationships" xmlns:p="http://schemas.openxmlformats.org/presentationml/2006/main">
   <p:cSld>
     <p:spTree>
@@ -19773,7 +22962,7 @@
 </p:sld>
 </file>
 
-<file path=ppt/slides/slide7.xml><?xml version="1.0" encoding="utf-8"?>
+<file path=ppt/slides/slide8.xml><?xml version="1.0" encoding="utf-8"?>
 <p:sld xmlns:a="http://schemas.openxmlformats.org/drawingml/2006/main" xmlns:r="http://schemas.openxmlformats.org/officeDocument/2006/relationships" xmlns:p="http://schemas.openxmlformats.org/presentationml/2006/main">
   <p:cSld>
     <p:spTree>
@@ -20359,7 +23548,7 @@
 </p:sld>
 </file>
 
-<file path=ppt/slides/slide8.xml><?xml version="1.0" encoding="utf-8"?>
+<file path=ppt/slides/slide9.xml><?xml version="1.0" encoding="utf-8"?>
 <p:sld xmlns:a="http://schemas.openxmlformats.org/drawingml/2006/main" xmlns:r="http://schemas.openxmlformats.org/officeDocument/2006/relationships" xmlns:p="http://schemas.openxmlformats.org/presentationml/2006/main">
   <p:cSld>
     <p:spTree>
@@ -20466,214 +23655,6 @@
     <p:extLst>
       <p:ext uri="{BB962C8B-B14F-4D97-AF65-F5344CB8AC3E}">
         <p14:creationId xmlns:p14="http://schemas.microsoft.com/office/powerpoint/2010/main" val="1166945252"/>
-      </p:ext>
-    </p:extLst>
-  </p:cSld>
-  <p:clrMapOvr>
-    <a:masterClrMapping/>
-  </p:clrMapOvr>
-</p:sld>
-</file>
-
-<file path=ppt/slides/slide9.xml><?xml version="1.0" encoding="utf-8"?>
-<p:sld xmlns:a="http://schemas.openxmlformats.org/drawingml/2006/main" xmlns:r="http://schemas.openxmlformats.org/officeDocument/2006/relationships" xmlns:p="http://schemas.openxmlformats.org/presentationml/2006/main">
-  <p:cSld>
-    <p:spTree>
-      <p:nvGrpSpPr>
-        <p:cNvPr id="1" name=""/>
-        <p:cNvGrpSpPr/>
-        <p:nvPr/>
-      </p:nvGrpSpPr>
-      <p:grpSpPr>
-        <a:xfrm>
-          <a:off x="0" y="0"/>
-          <a:ext cx="0" cy="0"/>
-          <a:chOff x="0" y="0"/>
-          <a:chExt cx="0" cy="0"/>
-        </a:xfrm>
-      </p:grpSpPr>
-      <p:pic>
-        <p:nvPicPr>
-          <p:cNvPr id="6" name="Picture 5">
-            <a:extLst>
-              <a:ext uri="{FF2B5EF4-FFF2-40B4-BE49-F238E27FC236}">
-                <a16:creationId xmlns:a16="http://schemas.microsoft.com/office/drawing/2014/main" id="{EFA66E32-E82D-421B-AC38-C8061FEA9C96}"/>
-              </a:ext>
-            </a:extLst>
-          </p:cNvPr>
-          <p:cNvPicPr>
-            <a:picLocks noChangeAspect="1"/>
-          </p:cNvPicPr>
-          <p:nvPr/>
-        </p:nvPicPr>
-        <p:blipFill>
-          <a:blip r:embed="rId2"/>
-          <a:stretch>
-            <a:fillRect/>
-          </a:stretch>
-        </p:blipFill>
-        <p:spPr>
-          <a:xfrm>
-            <a:off x="163365" y="2029118"/>
-            <a:ext cx="5665906" cy="4288559"/>
-          </a:xfrm>
-          <a:prstGeom prst="rect">
-            <a:avLst/>
-          </a:prstGeom>
-        </p:spPr>
-      </p:pic>
-      <p:pic>
-        <p:nvPicPr>
-          <p:cNvPr id="7" name="Picture 6">
-            <a:extLst>
-              <a:ext uri="{FF2B5EF4-FFF2-40B4-BE49-F238E27FC236}">
-                <a16:creationId xmlns:a16="http://schemas.microsoft.com/office/drawing/2014/main" id="{F9744A01-3580-4055-9015-D0E4378B4E51}"/>
-              </a:ext>
-            </a:extLst>
-          </p:cNvPr>
-          <p:cNvPicPr>
-            <a:picLocks noChangeAspect="1"/>
-          </p:cNvPicPr>
-          <p:nvPr/>
-        </p:nvPicPr>
-        <p:blipFill>
-          <a:blip r:embed="rId3"/>
-          <a:stretch>
-            <a:fillRect/>
-          </a:stretch>
-        </p:blipFill>
-        <p:spPr>
-          <a:xfrm>
-            <a:off x="6179124" y="2029118"/>
-            <a:ext cx="5763237" cy="4362450"/>
-          </a:xfrm>
-          <a:prstGeom prst="rect">
-            <a:avLst/>
-          </a:prstGeom>
-        </p:spPr>
-      </p:pic>
-      <p:sp>
-        <p:nvSpPr>
-          <p:cNvPr id="9" name="Title 8">
-            <a:extLst>
-              <a:ext uri="{FF2B5EF4-FFF2-40B4-BE49-F238E27FC236}">
-                <a16:creationId xmlns:a16="http://schemas.microsoft.com/office/drawing/2014/main" id="{8E2D44F5-1521-4C03-9B2B-A81F83D6DBDA}"/>
-              </a:ext>
-            </a:extLst>
-          </p:cNvPr>
-          <p:cNvSpPr>
-            <a:spLocks noGrp="1"/>
-          </p:cNvSpPr>
-          <p:nvPr>
-            <p:ph type="title"/>
-          </p:nvPr>
-        </p:nvSpPr>
-        <p:spPr/>
-        <p:txBody>
-          <a:bodyPr/>
-          <a:lstStyle/>
-          <a:p>
-            <a:r>
-              <a:rPr lang="en-US" dirty="0"/>
-              <a:t>Tiling of Large (8720x11520) Image</a:t>
-            </a:r>
-          </a:p>
-        </p:txBody>
-      </p:sp>
-      <p:sp>
-        <p:nvSpPr>
-          <p:cNvPr id="11" name="Content Placeholder 10">
-            <a:extLst>
-              <a:ext uri="{FF2B5EF4-FFF2-40B4-BE49-F238E27FC236}">
-                <a16:creationId xmlns:a16="http://schemas.microsoft.com/office/drawing/2014/main" id="{3F7B27AA-59EA-46A8-ACE9-022A0F556B40}"/>
-              </a:ext>
-            </a:extLst>
-          </p:cNvPr>
-          <p:cNvSpPr>
-            <a:spLocks noGrp="1"/>
-          </p:cNvSpPr>
-          <p:nvPr>
-            <p:ph idx="1"/>
-          </p:nvPr>
-        </p:nvSpPr>
-        <p:spPr>
-          <a:xfrm>
-            <a:off x="651850" y="911226"/>
-            <a:ext cx="11036174" cy="830998"/>
-          </a:xfrm>
-        </p:spPr>
-        <p:txBody>
-          <a:bodyPr>
-            <a:normAutofit/>
-          </a:bodyPr>
-          <a:lstStyle/>
-          <a:p>
-            <a:pPr>
-              <a:spcBef>
-                <a:spcPts val="0"/>
-              </a:spcBef>
-            </a:pPr>
-            <a:r>
-              <a:rPr lang="en-US" sz="1600" dirty="0"/>
-              <a:t>All tiles except those in last row and last column must be same shape (width and height)</a:t>
-            </a:r>
-          </a:p>
-          <a:p>
-            <a:pPr>
-              <a:spcBef>
-                <a:spcPts val="0"/>
-              </a:spcBef>
-            </a:pPr>
-            <a:r>
-              <a:rPr lang="en-US" sz="1600" dirty="0"/>
-              <a:t>All tiles in last row must have same height and must have same width as all other tiles in their column</a:t>
-            </a:r>
-          </a:p>
-          <a:p>
-            <a:pPr>
-              <a:spcBef>
-                <a:spcPts val="0"/>
-              </a:spcBef>
-            </a:pPr>
-            <a:r>
-              <a:rPr lang="en-US" sz="1600" dirty="0"/>
-              <a:t>All tiles in last column must have same width and must have same height as all other tiles in their row</a:t>
-            </a:r>
-          </a:p>
-        </p:txBody>
-      </p:sp>
-      <p:sp>
-        <p:nvSpPr>
-          <p:cNvPr id="10" name="Footer Placeholder 9">
-            <a:extLst>
-              <a:ext uri="{FF2B5EF4-FFF2-40B4-BE49-F238E27FC236}">
-                <a16:creationId xmlns:a16="http://schemas.microsoft.com/office/drawing/2014/main" id="{70F8B5F9-60B6-4621-B42D-0B46309D10E4}"/>
-              </a:ext>
-            </a:extLst>
-          </p:cNvPr>
-          <p:cNvSpPr>
-            <a:spLocks noGrp="1"/>
-          </p:cNvSpPr>
-          <p:nvPr>
-            <p:ph type="ftr" sz="quarter" idx="11"/>
-          </p:nvPr>
-        </p:nvSpPr>
-        <p:spPr/>
-        <p:txBody>
-          <a:bodyPr/>
-          <a:lstStyle/>
-          <a:p>
-            <a:endParaRPr lang="en-US"/>
-          </a:p>
-          <a:p>
-            <a:endParaRPr lang="en-US"/>
-          </a:p>
-        </p:txBody>
-      </p:sp>
-    </p:spTree>
-    <p:extLst>
-      <p:ext uri="{BB962C8B-B14F-4D97-AF65-F5344CB8AC3E}">
-        <p14:creationId xmlns:p14="http://schemas.microsoft.com/office/powerpoint/2010/main" val="4227013624"/>
       </p:ext>
     </p:extLst>
   </p:cSld>
